--- a/topic08/talk01/APIs.pptx
+++ b/topic08/talk01/APIs.pptx
@@ -32,9 +32,9 @@
     <p:sldId id="304" r:id="rId26"/>
     <p:sldId id="295" r:id="rId27"/>
     <p:sldId id="267" r:id="rId28"/>
-    <p:sldId id="284" r:id="rId29"/>
-    <p:sldId id="296" r:id="rId30"/>
-    <p:sldId id="298" r:id="rId31"/>
+    <p:sldId id="296" r:id="rId29"/>
+    <p:sldId id="298" r:id="rId30"/>
+    <p:sldId id="284" r:id="rId31"/>
     <p:sldId id="305" r:id="rId32"/>
     <p:sldId id="290" r:id="rId33"/>
     <p:sldId id="291" r:id="rId34"/>
@@ -3622,7 +3622,7 @@
           <a:p>
             <a:fld id="{F0329A2A-9079-40FA-BFF1-B86DED55A545}" type="datetimeFigureOut">
               <a:rPr lang="en-US"/>
-              <a:t>3/7/2022</a:t>
+              <a:t>3/15/2022</a:t>
             </a:fld>
             <a:endParaRPr lang="en-US"/>
           </a:p>
@@ -4878,7 +4878,7 @@
           <a:p>
             <a:fld id="{846CE7D5-CF57-46EF-B807-FDD0502418D4}" type="datetimeFigureOut">
               <a:rPr lang="en-US" smtClean="0"/>
-              <a:t>3/7/2022</a:t>
+              <a:t>3/15/2022</a:t>
             </a:fld>
             <a:endParaRPr lang="en-US"/>
           </a:p>
@@ -5046,7 +5046,7 @@
           <a:p>
             <a:fld id="{846CE7D5-CF57-46EF-B807-FDD0502418D4}" type="datetimeFigureOut">
               <a:rPr lang="en-US" smtClean="0"/>
-              <a:t>3/7/2022</a:t>
+              <a:t>3/15/2022</a:t>
             </a:fld>
             <a:endParaRPr lang="en-US"/>
           </a:p>
@@ -5224,7 +5224,7 @@
           <a:p>
             <a:fld id="{846CE7D5-CF57-46EF-B807-FDD0502418D4}" type="datetimeFigureOut">
               <a:rPr lang="en-US" smtClean="0"/>
-              <a:t>3/7/2022</a:t>
+              <a:t>3/15/2022</a:t>
             </a:fld>
             <a:endParaRPr lang="en-US"/>
           </a:p>
@@ -5392,7 +5392,7 @@
           <a:p>
             <a:fld id="{846CE7D5-CF57-46EF-B807-FDD0502418D4}" type="datetimeFigureOut">
               <a:rPr lang="en-US" smtClean="0"/>
-              <a:t>3/7/2022</a:t>
+              <a:t>3/15/2022</a:t>
             </a:fld>
             <a:endParaRPr lang="en-US"/>
           </a:p>
@@ -5637,7 +5637,7 @@
           <a:p>
             <a:fld id="{846CE7D5-CF57-46EF-B807-FDD0502418D4}" type="datetimeFigureOut">
               <a:rPr lang="en-US" smtClean="0"/>
-              <a:t>3/7/2022</a:t>
+              <a:t>3/15/2022</a:t>
             </a:fld>
             <a:endParaRPr lang="en-US"/>
           </a:p>
@@ -5866,7 +5866,7 @@
           <a:p>
             <a:fld id="{846CE7D5-CF57-46EF-B807-FDD0502418D4}" type="datetimeFigureOut">
               <a:rPr lang="en-US" smtClean="0"/>
-              <a:t>3/7/2022</a:t>
+              <a:t>3/15/2022</a:t>
             </a:fld>
             <a:endParaRPr lang="en-US"/>
           </a:p>
@@ -6230,7 +6230,7 @@
           <a:p>
             <a:fld id="{846CE7D5-CF57-46EF-B807-FDD0502418D4}" type="datetimeFigureOut">
               <a:rPr lang="en-US" smtClean="0"/>
-              <a:t>3/7/2022</a:t>
+              <a:t>3/15/2022</a:t>
             </a:fld>
             <a:endParaRPr lang="en-US"/>
           </a:p>
@@ -6347,7 +6347,7 @@
           <a:p>
             <a:fld id="{846CE7D5-CF57-46EF-B807-FDD0502418D4}" type="datetimeFigureOut">
               <a:rPr lang="en-US" smtClean="0"/>
-              <a:t>3/7/2022</a:t>
+              <a:t>3/15/2022</a:t>
             </a:fld>
             <a:endParaRPr lang="en-US"/>
           </a:p>
@@ -6442,7 +6442,7 @@
           <a:p>
             <a:fld id="{846CE7D5-CF57-46EF-B807-FDD0502418D4}" type="datetimeFigureOut">
               <a:rPr lang="en-US" smtClean="0"/>
-              <a:t>3/7/2022</a:t>
+              <a:t>3/15/2022</a:t>
             </a:fld>
             <a:endParaRPr lang="en-US"/>
           </a:p>
@@ -6717,7 +6717,7 @@
           <a:p>
             <a:fld id="{846CE7D5-CF57-46EF-B807-FDD0502418D4}" type="datetimeFigureOut">
               <a:rPr lang="en-US" smtClean="0"/>
-              <a:t>3/7/2022</a:t>
+              <a:t>3/15/2022</a:t>
             </a:fld>
             <a:endParaRPr lang="en-US"/>
           </a:p>
@@ -6972,7 +6972,7 @@
           <a:p>
             <a:fld id="{846CE7D5-CF57-46EF-B807-FDD0502418D4}" type="datetimeFigureOut">
               <a:rPr lang="en-US" smtClean="0"/>
-              <a:t>3/7/2022</a:t>
+              <a:t>3/15/2022</a:t>
             </a:fld>
             <a:endParaRPr lang="en-US"/>
           </a:p>
@@ -7183,7 +7183,7 @@
           <a:p>
             <a:fld id="{846CE7D5-CF57-46EF-B807-FDD0502418D4}" type="datetimeFigureOut">
               <a:rPr lang="en-US" smtClean="0"/>
-              <a:t>3/7/2022</a:t>
+              <a:t>3/15/2022</a:t>
             </a:fld>
             <a:endParaRPr lang="en-US"/>
           </a:p>
@@ -7797,15 +7797,15 @@
           <a:lstStyle/>
           <a:p>
             <a:r>
-              <a:rPr lang="en-US" sz="5400">
+              <a:rPr lang="en-US" sz="5400" dirty="0">
                 <a:solidFill>
                   <a:schemeClr val="bg1"/>
                 </a:solidFill>
                 <a:cs typeface="Calibri Light"/>
               </a:rPr>
-              <a:t>Web API Design</a:t>
-            </a:r>
-            <a:endParaRPr lang="en-US" sz="5400">
+              <a:t>Web API Intro</a:t>
+            </a:r>
+            <a:endParaRPr lang="en-US" sz="5400" dirty="0">
               <a:solidFill>
                 <a:schemeClr val="bg1"/>
               </a:solidFill>
@@ -10231,12 +10231,12 @@
               <a:buNone/>
             </a:pPr>
             <a:r>
-              <a:rPr lang="en-US" sz="2000">
+              <a:rPr lang="en-US" sz="2000" i="1" dirty="0">
                 <a:solidFill>
                   <a:srgbClr val="FF326F"/>
                 </a:solidFill>
               </a:rPr>
-              <a:t>To design a REST API, you need to know the HTTP protocol</a:t>
+              <a:t>To design a REST API, you need to know &amp; understand HTTP</a:t>
             </a:r>
           </a:p>
         </p:txBody>
@@ -14032,39 +14032,6 @@
             </a:endParaRPr>
           </a:p>
           <a:p>
-            <a:r>
-              <a:rPr lang="en-US" dirty="0">
-                <a:latin typeface="Calibri" charset="0"/>
-              </a:rPr>
-              <a:t>Query string used to include data in a URI. For example</a:t>
-            </a:r>
-          </a:p>
-          <a:p>
-            <a:pPr marL="0" indent="0">
-              <a:buNone/>
-            </a:pPr>
-            <a:r>
-              <a:rPr lang="en-US" dirty="0">
-                <a:latin typeface="Calibri" charset="0"/>
-                <a:hlinkClick r:id="rId3"/>
-              </a:rPr>
-              <a:t>https://www.myhome.com/heating?status=on</a:t>
-            </a:r>
-            <a:endParaRPr lang="en-US" dirty="0">
-              <a:latin typeface="Calibri" charset="0"/>
-              <a:cs typeface="Calibri"/>
-              <a:hlinkClick r:id="rId3"/>
-            </a:endParaRPr>
-          </a:p>
-          <a:p>
-            <a:pPr marL="0" indent="0" algn="just">
-              <a:buNone/>
-            </a:pPr>
-            <a:endParaRPr lang="en-US" dirty="0">
-              <a:latin typeface="Calibri" charset="0"/>
-            </a:endParaRPr>
-          </a:p>
-          <a:p>
             <a:endParaRPr lang="en-US" dirty="0"/>
           </a:p>
         </p:txBody>
@@ -14084,13 +14051,13 @@
           <p:nvPr/>
         </p:nvPicPr>
         <p:blipFill>
-          <a:blip r:embed="rId4">
+          <a:blip r:embed="rId3">
             <a:extLst>
               <a:ext uri="{28A0092B-C50C-407E-A947-70E740481C1C}">
                 <a14:useLocalDpi xmlns:a14="http://schemas.microsoft.com/office/drawing/2010/main" val="0"/>
               </a:ext>
               <a:ext uri="{837473B0-CC2E-450A-ABE3-18F120FF3D39}">
-                <a1611:picAttrSrcUrl xmlns:a1611="http://schemas.microsoft.com/office/drawing/2016/11/main" r:id="rId5"/>
+                <a1611:picAttrSrcUrl xmlns:a1611="http://schemas.microsoft.com/office/drawing/2016/11/main" r:id="rId4"/>
               </a:ext>
             </a:extLst>
           </a:blip>
@@ -14138,7 +14105,7 @@
           <a:p>
             <a:r>
               <a:rPr lang="en-IE" sz="900" dirty="0">
-                <a:hlinkClick r:id="rId5" tooltip="https://de.wikiversity.org/wiki/Benutzer:MartinThoma/Rechnernetze"/>
+                <a:hlinkClick r:id="rId4" tooltip="https://de.wikiversity.org/wiki/Benutzer:MartinThoma/Rechnernetze"/>
               </a:rPr>
               <a:t>This Photo</a:t>
             </a:r>
@@ -14156,7 +14123,7 @@
             </a:r>
             <a:r>
               <a:rPr lang="en-IE" sz="900" dirty="0">
-                <a:hlinkClick r:id="rId6" tooltip="https://creativecommons.org/licenses/by-sa/3.0/"/>
+                <a:hlinkClick r:id="rId5" tooltip="https://creativecommons.org/licenses/by-sa/3.0/"/>
               </a:rPr>
               <a:t>CC BY-SA</a:t>
             </a:r>
@@ -14277,9 +14244,44 @@
                 </a:solidFill>
                 <a:effectLst/>
                 <a:latin typeface="Inter"/>
+                <a:hlinkClick r:id="rId2"/>
               </a:rPr>
               <a:t>https://randomuser.me/api?results=10&amp;gender=female</a:t>
             </a:r>
+            <a:endParaRPr lang="en-IE" b="0" i="0" dirty="0">
+              <a:solidFill>
+                <a:srgbClr val="505050"/>
+              </a:solidFill>
+              <a:effectLst/>
+              <a:latin typeface="Inter"/>
+            </a:endParaRPr>
+          </a:p>
+          <a:p>
+            <a:pPr marL="0" indent="0">
+              <a:buNone/>
+            </a:pPr>
+            <a:r>
+              <a:rPr lang="en-IE" b="0" i="0" dirty="0">
+                <a:solidFill>
+                  <a:srgbClr val="212121"/>
+                </a:solidFill>
+                <a:effectLst/>
+                <a:latin typeface="Inter"/>
+                <a:hlinkClick r:id="rId3"/>
+              </a:rPr>
+              <a:t>https://api.genderize.io?name=anne</a:t>
+            </a:r>
+            <a:endParaRPr lang="en-IE" dirty="0">
+              <a:solidFill>
+                <a:srgbClr val="505050"/>
+              </a:solidFill>
+              <a:latin typeface="Inter"/>
+            </a:endParaRPr>
+          </a:p>
+          <a:p>
+            <a:pPr marL="0" indent="0">
+              <a:buNone/>
+            </a:pPr>
             <a:endParaRPr lang="en-IE" dirty="0"/>
           </a:p>
         </p:txBody>
@@ -15907,7 +15909,7 @@
             <a:pPr lvl="1"/>
             <a:r>
               <a:rPr lang="en-IE" sz="5400" b="1" u="sng" dirty="0"/>
-              <a:t>Verbs in URLs are BAD</a:t>
+              <a:t>Verbs in URLs are discouraged</a:t>
             </a:r>
             <a:endParaRPr lang="en-IE" sz="5400" b="1" u="sng" dirty="0">
               <a:cs typeface="Calibri"/>
@@ -16283,6 +16285,1620 @@
 </file>
 
 <file path=ppt/slides/slide25.xml><?xml version="1.0" encoding="utf-8"?>
+<p:sld xmlns:a="http://schemas.openxmlformats.org/drawingml/2006/main" xmlns:r="http://schemas.openxmlformats.org/officeDocument/2006/relationships" xmlns:p="http://schemas.openxmlformats.org/presentationml/2006/main">
+  <p:cSld>
+    <p:bg>
+      <p:bgPr>
+        <a:solidFill>
+          <a:schemeClr val="bg1"/>
+        </a:solidFill>
+        <a:effectLst/>
+      </p:bgPr>
+    </p:bg>
+    <p:spTree>
+      <p:nvGrpSpPr>
+        <p:cNvPr id="1" name=""/>
+        <p:cNvGrpSpPr/>
+        <p:nvPr/>
+      </p:nvGrpSpPr>
+      <p:grpSpPr>
+        <a:xfrm>
+          <a:off x="0" y="0"/>
+          <a:ext cx="0" cy="0"/>
+          <a:chOff x="0" y="0"/>
+          <a:chExt cx="0" cy="0"/>
+        </a:xfrm>
+      </p:grpSpPr>
+      <p:sp useBgFill="1">
+        <p:nvSpPr>
+          <p:cNvPr id="8" name="Rectangle 7">
+            <a:extLst>
+              <a:ext uri="{FF2B5EF4-FFF2-40B4-BE49-F238E27FC236}">
+                <a16:creationId xmlns:a16="http://schemas.microsoft.com/office/drawing/2014/main" id="{827B839B-9ADE-406B-8590-F1CAEDED45A1}"/>
+              </a:ext>
+              <a:ext uri="{C183D7F6-B498-43B3-948B-1728B52AA6E4}">
+                <adec:decorative xmlns:adec="http://schemas.microsoft.com/office/drawing/2017/decorative" val="1"/>
+              </a:ext>
+            </a:extLst>
+          </p:cNvPr>
+          <p:cNvSpPr>
+            <a:spLocks noGrp="1" noRot="1" noChangeAspect="1" noMove="1" noResize="1" noEditPoints="1" noAdjustHandles="1" noChangeArrowheads="1" noChangeShapeType="1" noTextEdit="1"/>
+          </p:cNvSpPr>
+          <p:nvPr>
+            <p:extLst>
+              <p:ext uri="{386F3935-93C4-4BCD-93E2-E3B085C9AB24}">
+                <p16:designElem xmlns:p16="http://schemas.microsoft.com/office/powerpoint/2015/main" val="1"/>
+              </p:ext>
+            </p:extLst>
+          </p:nvPr>
+        </p:nvSpPr>
+        <p:spPr>
+          <a:xfrm>
+            <a:off x="0" y="0"/>
+            <a:ext cx="12188952" cy="6858000"/>
+          </a:xfrm>
+          <a:prstGeom prst="rect">
+            <a:avLst/>
+          </a:prstGeom>
+          <a:ln>
+            <a:noFill/>
+          </a:ln>
+        </p:spPr>
+        <p:style>
+          <a:lnRef idx="2">
+            <a:schemeClr val="accent1">
+              <a:shade val="50000"/>
+            </a:schemeClr>
+          </a:lnRef>
+          <a:fillRef idx="1">
+            <a:schemeClr val="accent1"/>
+          </a:fillRef>
+          <a:effectRef idx="0">
+            <a:schemeClr val="accent1"/>
+          </a:effectRef>
+          <a:fontRef idx="minor">
+            <a:schemeClr val="lt1"/>
+          </a:fontRef>
+        </p:style>
+        <p:txBody>
+          <a:bodyPr rtlCol="0" anchor="ctr"/>
+          <a:lstStyle/>
+          <a:p>
+            <a:pPr algn="ctr"/>
+            <a:endParaRPr lang="en-US"/>
+          </a:p>
+        </p:txBody>
+      </p:sp>
+      <p:sp>
+        <p:nvSpPr>
+          <p:cNvPr id="10" name="Freeform 45">
+            <a:extLst>
+              <a:ext uri="{FF2B5EF4-FFF2-40B4-BE49-F238E27FC236}">
+                <a16:creationId xmlns:a16="http://schemas.microsoft.com/office/drawing/2014/main" id="{CFE45BF0-46DB-408C-B5F7-7B11716805D4}"/>
+              </a:ext>
+              <a:ext uri="{C183D7F6-B498-43B3-948B-1728B52AA6E4}">
+                <adec:decorative xmlns:adec="http://schemas.microsoft.com/office/drawing/2017/decorative" val="1"/>
+              </a:ext>
+            </a:extLst>
+          </p:cNvPr>
+          <p:cNvSpPr>
+            <a:spLocks noGrp="1" noRot="1" noChangeAspect="1" noMove="1" noResize="1" noEditPoints="1" noAdjustHandles="1" noChangeArrowheads="1" noChangeShapeType="1" noTextEdit="1"/>
+          </p:cNvSpPr>
+          <p:nvPr>
+            <p:extLst>
+              <p:ext uri="{386F3935-93C4-4BCD-93E2-E3B085C9AB24}">
+                <p16:designElem xmlns:p16="http://schemas.microsoft.com/office/powerpoint/2015/main" val="1"/>
+              </p:ext>
+            </p:extLst>
+          </p:nvPr>
+        </p:nvSpPr>
+        <p:spPr bwMode="auto">
+          <a:xfrm>
+            <a:off x="409710" y="1022350"/>
+            <a:ext cx="709612" cy="2095501"/>
+          </a:xfrm>
+          <a:custGeom>
+            <a:avLst/>
+            <a:gdLst>
+              <a:gd name="T0" fmla="*/ 447 w 447"/>
+              <a:gd name="T1" fmla="*/ 1363 h 1363"/>
+              <a:gd name="T2" fmla="*/ 0 w 447"/>
+              <a:gd name="T3" fmla="*/ 987 h 1363"/>
+              <a:gd name="T4" fmla="*/ 0 w 447"/>
+              <a:gd name="T5" fmla="*/ 0 h 1363"/>
+              <a:gd name="T6" fmla="*/ 447 w 447"/>
+              <a:gd name="T7" fmla="*/ 376 h 1363"/>
+              <a:gd name="T8" fmla="*/ 447 w 447"/>
+              <a:gd name="T9" fmla="*/ 1363 h 1363"/>
+            </a:gdLst>
+            <a:ahLst/>
+            <a:cxnLst>
+              <a:cxn ang="0">
+                <a:pos x="T0" y="T1"/>
+              </a:cxn>
+              <a:cxn ang="0">
+                <a:pos x="T2" y="T3"/>
+              </a:cxn>
+              <a:cxn ang="0">
+                <a:pos x="T4" y="T5"/>
+              </a:cxn>
+              <a:cxn ang="0">
+                <a:pos x="T6" y="T7"/>
+              </a:cxn>
+              <a:cxn ang="0">
+                <a:pos x="T8" y="T9"/>
+              </a:cxn>
+            </a:cxnLst>
+            <a:rect l="0" t="0" r="r" b="b"/>
+            <a:pathLst>
+              <a:path w="447" h="1363">
+                <a:moveTo>
+                  <a:pt x="447" y="1363"/>
+                </a:moveTo>
+                <a:lnTo>
+                  <a:pt x="0" y="987"/>
+                </a:lnTo>
+                <a:lnTo>
+                  <a:pt x="0" y="0"/>
+                </a:lnTo>
+                <a:lnTo>
+                  <a:pt x="447" y="376"/>
+                </a:lnTo>
+                <a:lnTo>
+                  <a:pt x="447" y="1363"/>
+                </a:lnTo>
+                <a:close/>
+              </a:path>
+            </a:pathLst>
+          </a:custGeom>
+          <a:solidFill>
+            <a:schemeClr val="accent1">
+              <a:lumMod val="50000"/>
+            </a:schemeClr>
+          </a:solidFill>
+          <a:ln>
+            <a:noFill/>
+          </a:ln>
+        </p:spPr>
+        <p:txBody>
+          <a:bodyPr vert="horz" wrap="square" lIns="91440" tIns="45720" rIns="91440" bIns="45720" numCol="1" anchor="t" anchorCtr="0" compatLnSpc="1">
+            <a:prstTxWarp prst="textNoShape">
+              <a:avLst/>
+            </a:prstTxWarp>
+          </a:bodyPr>
+          <a:lstStyle/>
+          <a:p>
+            <a:endParaRPr lang="en-US"/>
+          </a:p>
+        </p:txBody>
+      </p:sp>
+      <p:sp>
+        <p:nvSpPr>
+          <p:cNvPr id="12" name="Freeform 46">
+            <a:extLst>
+              <a:ext uri="{FF2B5EF4-FFF2-40B4-BE49-F238E27FC236}">
+                <a16:creationId xmlns:a16="http://schemas.microsoft.com/office/drawing/2014/main" id="{2AEBC8F2-97B1-41B4-93F1-2D289E197FBA}"/>
+              </a:ext>
+              <a:ext uri="{C183D7F6-B498-43B3-948B-1728B52AA6E4}">
+                <adec:decorative xmlns:adec="http://schemas.microsoft.com/office/drawing/2017/decorative" val="1"/>
+              </a:ext>
+            </a:extLst>
+          </p:cNvPr>
+          <p:cNvSpPr>
+            <a:spLocks noGrp="1" noRot="1" noChangeAspect="1" noMove="1" noResize="1" noEditPoints="1" noAdjustHandles="1" noChangeArrowheads="1" noChangeShapeType="1" noTextEdit="1"/>
+          </p:cNvSpPr>
+          <p:nvPr>
+            <p:extLst>
+              <p:ext uri="{386F3935-93C4-4BCD-93E2-E3B085C9AB24}">
+                <p16:designElem xmlns:p16="http://schemas.microsoft.com/office/powerpoint/2015/main" val="1"/>
+              </p:ext>
+            </p:extLst>
+          </p:nvPr>
+        </p:nvSpPr>
+        <p:spPr bwMode="auto">
+          <a:xfrm>
+            <a:off x="409710" y="837744"/>
+            <a:ext cx="403225" cy="1705431"/>
+          </a:xfrm>
+          <a:custGeom>
+            <a:avLst/>
+            <a:gdLst>
+              <a:gd name="T0" fmla="*/ 254 w 254"/>
+              <a:gd name="T1" fmla="*/ 987 h 1109"/>
+              <a:gd name="T2" fmla="*/ 0 w 254"/>
+              <a:gd name="T3" fmla="*/ 1109 h 1109"/>
+              <a:gd name="T4" fmla="*/ 0 w 254"/>
+              <a:gd name="T5" fmla="*/ 119 h 1109"/>
+              <a:gd name="T6" fmla="*/ 254 w 254"/>
+              <a:gd name="T7" fmla="*/ 0 h 1109"/>
+              <a:gd name="T8" fmla="*/ 254 w 254"/>
+              <a:gd name="T9" fmla="*/ 987 h 1109"/>
+            </a:gdLst>
+            <a:ahLst/>
+            <a:cxnLst>
+              <a:cxn ang="0">
+                <a:pos x="T0" y="T1"/>
+              </a:cxn>
+              <a:cxn ang="0">
+                <a:pos x="T2" y="T3"/>
+              </a:cxn>
+              <a:cxn ang="0">
+                <a:pos x="T4" y="T5"/>
+              </a:cxn>
+              <a:cxn ang="0">
+                <a:pos x="T6" y="T7"/>
+              </a:cxn>
+              <a:cxn ang="0">
+                <a:pos x="T8" y="T9"/>
+              </a:cxn>
+            </a:cxnLst>
+            <a:rect l="0" t="0" r="r" b="b"/>
+            <a:pathLst>
+              <a:path w="254" h="1109">
+                <a:moveTo>
+                  <a:pt x="254" y="987"/>
+                </a:moveTo>
+                <a:lnTo>
+                  <a:pt x="0" y="1109"/>
+                </a:lnTo>
+                <a:lnTo>
+                  <a:pt x="0" y="119"/>
+                </a:lnTo>
+                <a:lnTo>
+                  <a:pt x="254" y="0"/>
+                </a:lnTo>
+                <a:lnTo>
+                  <a:pt x="254" y="987"/>
+                </a:lnTo>
+                <a:close/>
+              </a:path>
+            </a:pathLst>
+          </a:custGeom>
+          <a:solidFill>
+            <a:schemeClr val="accent1">
+              <a:lumMod val="75000"/>
+            </a:schemeClr>
+          </a:solidFill>
+          <a:ln>
+            <a:noFill/>
+          </a:ln>
+        </p:spPr>
+        <p:txBody>
+          <a:bodyPr vert="horz" wrap="square" lIns="91440" tIns="45720" rIns="91440" bIns="45720" numCol="1" anchor="t" anchorCtr="0" compatLnSpc="1">
+            <a:prstTxWarp prst="textNoShape">
+              <a:avLst/>
+            </a:prstTxWarp>
+          </a:bodyPr>
+          <a:lstStyle/>
+          <a:p>
+            <a:endParaRPr lang="en-US"/>
+          </a:p>
+        </p:txBody>
+      </p:sp>
+      <p:sp>
+        <p:nvSpPr>
+          <p:cNvPr id="14" name="Freeform 47">
+            <a:extLst>
+              <a:ext uri="{FF2B5EF4-FFF2-40B4-BE49-F238E27FC236}">
+                <a16:creationId xmlns:a16="http://schemas.microsoft.com/office/drawing/2014/main" id="{472E3A19-F5D5-48FC-BB9C-48C2F68F598B}"/>
+              </a:ext>
+              <a:ext uri="{C183D7F6-B498-43B3-948B-1728B52AA6E4}">
+                <adec:decorative xmlns:adec="http://schemas.microsoft.com/office/drawing/2017/decorative" val="1"/>
+              </a:ext>
+            </a:extLst>
+          </p:cNvPr>
+          <p:cNvSpPr>
+            <a:spLocks noGrp="1" noRot="1" noChangeAspect="1" noMove="1" noResize="1" noEditPoints="1" noAdjustHandles="1" noChangeArrowheads="1" noChangeShapeType="1" noTextEdit="1"/>
+          </p:cNvSpPr>
+          <p:nvPr>
+            <p:extLst>
+              <p:ext uri="{386F3935-93C4-4BCD-93E2-E3B085C9AB24}">
+                <p16:designElem xmlns:p16="http://schemas.microsoft.com/office/powerpoint/2015/main" val="1"/>
+              </p:ext>
+            </p:extLst>
+          </p:nvPr>
+        </p:nvSpPr>
+        <p:spPr bwMode="auto">
+          <a:xfrm>
+            <a:off x="644660" y="640894"/>
+            <a:ext cx="168275" cy="1713195"/>
+          </a:xfrm>
+          <a:custGeom>
+            <a:avLst/>
+            <a:gdLst>
+              <a:gd name="T0" fmla="*/ 106 w 106"/>
+              <a:gd name="T1" fmla="*/ 1114 h 1114"/>
+              <a:gd name="T2" fmla="*/ 0 w 106"/>
+              <a:gd name="T3" fmla="*/ 1005 h 1114"/>
+              <a:gd name="T4" fmla="*/ 0 w 106"/>
+              <a:gd name="T5" fmla="*/ 0 h 1114"/>
+              <a:gd name="T6" fmla="*/ 106 w 106"/>
+              <a:gd name="T7" fmla="*/ 110 h 1114"/>
+              <a:gd name="T8" fmla="*/ 106 w 106"/>
+              <a:gd name="T9" fmla="*/ 1114 h 1114"/>
+            </a:gdLst>
+            <a:ahLst/>
+            <a:cxnLst>
+              <a:cxn ang="0">
+                <a:pos x="T0" y="T1"/>
+              </a:cxn>
+              <a:cxn ang="0">
+                <a:pos x="T2" y="T3"/>
+              </a:cxn>
+              <a:cxn ang="0">
+                <a:pos x="T4" y="T5"/>
+              </a:cxn>
+              <a:cxn ang="0">
+                <a:pos x="T6" y="T7"/>
+              </a:cxn>
+              <a:cxn ang="0">
+                <a:pos x="T8" y="T9"/>
+              </a:cxn>
+            </a:cxnLst>
+            <a:rect l="0" t="0" r="r" b="b"/>
+            <a:pathLst>
+              <a:path w="106" h="1114">
+                <a:moveTo>
+                  <a:pt x="106" y="1114"/>
+                </a:moveTo>
+                <a:lnTo>
+                  <a:pt x="0" y="1005"/>
+                </a:lnTo>
+                <a:lnTo>
+                  <a:pt x="0" y="0"/>
+                </a:lnTo>
+                <a:lnTo>
+                  <a:pt x="106" y="110"/>
+                </a:lnTo>
+                <a:lnTo>
+                  <a:pt x="106" y="1114"/>
+                </a:lnTo>
+                <a:close/>
+              </a:path>
+            </a:pathLst>
+          </a:custGeom>
+          <a:solidFill>
+            <a:schemeClr val="accent1">
+              <a:lumMod val="50000"/>
+            </a:schemeClr>
+          </a:solidFill>
+          <a:ln>
+            <a:noFill/>
+          </a:ln>
+        </p:spPr>
+        <p:txBody>
+          <a:bodyPr vert="horz" wrap="square" lIns="91440" tIns="45720" rIns="91440" bIns="45720" numCol="1" anchor="t" anchorCtr="0" compatLnSpc="1">
+            <a:prstTxWarp prst="textNoShape">
+              <a:avLst/>
+            </a:prstTxWarp>
+          </a:bodyPr>
+          <a:lstStyle/>
+          <a:p>
+            <a:endParaRPr lang="en-US"/>
+          </a:p>
+        </p:txBody>
+      </p:sp>
+      <p:sp>
+        <p:nvSpPr>
+          <p:cNvPr id="16" name="Freeform 44">
+            <a:extLst>
+              <a:ext uri="{FF2B5EF4-FFF2-40B4-BE49-F238E27FC236}">
+                <a16:creationId xmlns:a16="http://schemas.microsoft.com/office/drawing/2014/main" id="{7A62E32F-BB65-43A8-8EB5-92346890E549}"/>
+              </a:ext>
+              <a:ext uri="{C183D7F6-B498-43B3-948B-1728B52AA6E4}">
+                <adec:decorative xmlns:adec="http://schemas.microsoft.com/office/drawing/2017/decorative" val="1"/>
+              </a:ext>
+            </a:extLst>
+          </p:cNvPr>
+          <p:cNvSpPr>
+            <a:spLocks noGrp="1" noRot="1" noChangeAspect="1" noMove="1" noResize="1" noEditPoints="1" noAdjustHandles="1" noChangeArrowheads="1" noChangeShapeType="1" noTextEdit="1"/>
+          </p:cNvSpPr>
+          <p:nvPr>
+            <p:extLst>
+              <p:ext uri="{386F3935-93C4-4BCD-93E2-E3B085C9AB24}">
+                <p16:designElem xmlns:p16="http://schemas.microsoft.com/office/powerpoint/2015/main" val="1"/>
+              </p:ext>
+            </p:extLst>
+          </p:nvPr>
+        </p:nvSpPr>
+        <p:spPr bwMode="auto">
+          <a:xfrm>
+            <a:off x="11223203" y="635716"/>
+            <a:ext cx="328612" cy="1742360"/>
+          </a:xfrm>
+          <a:custGeom>
+            <a:avLst/>
+            <a:gdLst>
+              <a:gd name="T0" fmla="*/ 207 w 207"/>
+              <a:gd name="T1" fmla="*/ 987 h 1114"/>
+              <a:gd name="T2" fmla="*/ 0 w 207"/>
+              <a:gd name="T3" fmla="*/ 1114 h 1114"/>
+              <a:gd name="T4" fmla="*/ 0 w 207"/>
+              <a:gd name="T5" fmla="*/ 127 h 1114"/>
+              <a:gd name="T6" fmla="*/ 207 w 207"/>
+              <a:gd name="T7" fmla="*/ 0 h 1114"/>
+              <a:gd name="T8" fmla="*/ 207 w 207"/>
+              <a:gd name="T9" fmla="*/ 987 h 1114"/>
+            </a:gdLst>
+            <a:ahLst/>
+            <a:cxnLst>
+              <a:cxn ang="0">
+                <a:pos x="T0" y="T1"/>
+              </a:cxn>
+              <a:cxn ang="0">
+                <a:pos x="T2" y="T3"/>
+              </a:cxn>
+              <a:cxn ang="0">
+                <a:pos x="T4" y="T5"/>
+              </a:cxn>
+              <a:cxn ang="0">
+                <a:pos x="T6" y="T7"/>
+              </a:cxn>
+              <a:cxn ang="0">
+                <a:pos x="T8" y="T9"/>
+              </a:cxn>
+            </a:cxnLst>
+            <a:rect l="0" t="0" r="r" b="b"/>
+            <a:pathLst>
+              <a:path w="207" h="1114">
+                <a:moveTo>
+                  <a:pt x="207" y="987"/>
+                </a:moveTo>
+                <a:lnTo>
+                  <a:pt x="0" y="1114"/>
+                </a:lnTo>
+                <a:lnTo>
+                  <a:pt x="0" y="127"/>
+                </a:lnTo>
+                <a:lnTo>
+                  <a:pt x="207" y="0"/>
+                </a:lnTo>
+                <a:lnTo>
+                  <a:pt x="207" y="987"/>
+                </a:lnTo>
+                <a:close/>
+              </a:path>
+            </a:pathLst>
+          </a:custGeom>
+          <a:solidFill>
+            <a:schemeClr val="accent1">
+              <a:lumMod val="50000"/>
+            </a:schemeClr>
+          </a:solidFill>
+          <a:ln>
+            <a:noFill/>
+          </a:ln>
+        </p:spPr>
+        <p:txBody>
+          <a:bodyPr vert="horz" wrap="square" lIns="91440" tIns="45720" rIns="91440" bIns="45720" numCol="1" anchor="t" anchorCtr="0" compatLnSpc="1">
+            <a:prstTxWarp prst="textNoShape">
+              <a:avLst/>
+            </a:prstTxWarp>
+          </a:bodyPr>
+          <a:lstStyle/>
+          <a:p>
+            <a:endParaRPr lang="en-US"/>
+          </a:p>
+        </p:txBody>
+      </p:sp>
+      <p:sp>
+        <p:nvSpPr>
+          <p:cNvPr id="18" name="Rectangle 17">
+            <a:extLst>
+              <a:ext uri="{FF2B5EF4-FFF2-40B4-BE49-F238E27FC236}">
+                <a16:creationId xmlns:a16="http://schemas.microsoft.com/office/drawing/2014/main" id="{14E91B64-9FCC-451E-AFB4-A827D6329367}"/>
+              </a:ext>
+              <a:ext uri="{C183D7F6-B498-43B3-948B-1728B52AA6E4}">
+                <adec:decorative xmlns:adec="http://schemas.microsoft.com/office/drawing/2017/decorative" val="1"/>
+              </a:ext>
+            </a:extLst>
+          </p:cNvPr>
+          <p:cNvSpPr>
+            <a:spLocks noGrp="1" noRot="1" noChangeAspect="1" noMove="1" noResize="1" noEditPoints="1" noAdjustHandles="1" noChangeArrowheads="1" noChangeShapeType="1" noTextEdit="1"/>
+          </p:cNvSpPr>
+          <p:nvPr>
+            <p:extLst>
+              <p:ext uri="{386F3935-93C4-4BCD-93E2-E3B085C9AB24}">
+                <p16:designElem xmlns:p16="http://schemas.microsoft.com/office/powerpoint/2015/main" val="1"/>
+              </p:ext>
+            </p:extLst>
+          </p:nvPr>
+        </p:nvSpPr>
+        <p:spPr bwMode="auto">
+          <a:xfrm>
+            <a:off x="644055" y="635715"/>
+            <a:ext cx="10907863" cy="1541457"/>
+          </a:xfrm>
+          <a:prstGeom prst="rect">
+            <a:avLst/>
+          </a:prstGeom>
+          <a:solidFill>
+            <a:schemeClr val="accent1"/>
+          </a:solidFill>
+          <a:ln>
+            <a:noFill/>
+          </a:ln>
+        </p:spPr>
+        <p:txBody>
+          <a:bodyPr vert="horz" wrap="square" lIns="91440" tIns="45720" rIns="91440" bIns="45720" numCol="1" anchor="t" anchorCtr="0" compatLnSpc="1">
+            <a:prstTxWarp prst="textNoShape">
+              <a:avLst/>
+            </a:prstTxWarp>
+          </a:bodyPr>
+          <a:lstStyle/>
+          <a:p>
+            <a:endParaRPr lang="en-US"/>
+          </a:p>
+        </p:txBody>
+      </p:sp>
+      <p:sp>
+        <p:nvSpPr>
+          <p:cNvPr id="2" name="Title 1">
+            <a:extLst>
+              <a:ext uri="{FF2B5EF4-FFF2-40B4-BE49-F238E27FC236}">
+                <a16:creationId xmlns:a16="http://schemas.microsoft.com/office/drawing/2014/main" id="{FA9BE8E5-3E48-4831-8C2C-A3045827B16C}"/>
+              </a:ext>
+            </a:extLst>
+          </p:cNvPr>
+          <p:cNvSpPr>
+            <a:spLocks noGrp="1"/>
+          </p:cNvSpPr>
+          <p:nvPr>
+            <p:ph type="title"/>
+          </p:nvPr>
+        </p:nvSpPr>
+        <p:spPr>
+          <a:xfrm>
+            <a:off x="958506" y="800392"/>
+            <a:ext cx="10264697" cy="1212102"/>
+          </a:xfrm>
+        </p:spPr>
+        <p:txBody>
+          <a:bodyPr>
+            <a:normAutofit/>
+          </a:bodyPr>
+          <a:lstStyle/>
+          <a:p>
+            <a:r>
+              <a:rPr lang="en-IE" sz="4000">
+                <a:solidFill>
+                  <a:srgbClr val="FFFFFF"/>
+                </a:solidFill>
+              </a:rPr>
+              <a:t>API: Good Practice1</a:t>
+            </a:r>
+          </a:p>
+        </p:txBody>
+      </p:sp>
+      <p:sp>
+        <p:nvSpPr>
+          <p:cNvPr id="3" name="Content Placeholder 2">
+            <a:extLst>
+              <a:ext uri="{FF2B5EF4-FFF2-40B4-BE49-F238E27FC236}">
+                <a16:creationId xmlns:a16="http://schemas.microsoft.com/office/drawing/2014/main" id="{9D161CB3-6666-4471-A7AA-46AE3F075F09}"/>
+              </a:ext>
+            </a:extLst>
+          </p:cNvPr>
+          <p:cNvSpPr>
+            <a:spLocks noGrp="1"/>
+          </p:cNvSpPr>
+          <p:nvPr>
+            <p:ph idx="1"/>
+          </p:nvPr>
+        </p:nvSpPr>
+        <p:spPr>
+          <a:xfrm>
+            <a:off x="1367624" y="2490436"/>
+            <a:ext cx="9708995" cy="3567173"/>
+          </a:xfrm>
+        </p:spPr>
+        <p:txBody>
+          <a:bodyPr anchor="ctr">
+            <a:normAutofit fontScale="77500" lnSpcReduction="20000"/>
+          </a:bodyPr>
+          <a:lstStyle/>
+          <a:p>
+            <a:r>
+              <a:rPr lang="en-IE" sz="2600" dirty="0"/>
+              <a:t>Always specify </a:t>
+            </a:r>
+            <a:r>
+              <a:rPr lang="en-IE" sz="2600" b="1" dirty="0"/>
+              <a:t>content-type</a:t>
+            </a:r>
+          </a:p>
+          <a:p>
+            <a:r>
+              <a:rPr lang="en-IE" sz="2600" dirty="0"/>
+              <a:t>Wrap your responses: </a:t>
+            </a:r>
+          </a:p>
+          <a:p>
+            <a:pPr lvl="1"/>
+            <a:r>
+              <a:rPr lang="en-IE" sz="2600" dirty="0"/>
+              <a:t>Use a standard model for responses to enable easier processing by clients</a:t>
+            </a:r>
+          </a:p>
+          <a:p>
+            <a:r>
+              <a:rPr lang="en-IE" sz="2600" dirty="0"/>
+              <a:t>Example: TMDB Movie API for </a:t>
+            </a:r>
+            <a:r>
+              <a:rPr lang="en-IE" sz="2600" dirty="0">
+                <a:highlight>
+                  <a:srgbClr val="C0C0C0"/>
+                </a:highlight>
+                <a:latin typeface="Arial" panose="020B0604020202020204" pitchFamily="34" charset="0"/>
+                <a:cs typeface="Arial" panose="020B0604020202020204" pitchFamily="34" charset="0"/>
+              </a:rPr>
+              <a:t>GET: /</a:t>
+            </a:r>
+            <a:r>
+              <a:rPr lang="en-IE" sz="2600" dirty="0" err="1">
+                <a:highlight>
+                  <a:srgbClr val="C0C0C0"/>
+                </a:highlight>
+                <a:latin typeface="Arial" panose="020B0604020202020204" pitchFamily="34" charset="0"/>
+                <a:cs typeface="Arial" panose="020B0604020202020204" pitchFamily="34" charset="0"/>
+              </a:rPr>
+              <a:t>movies?page</a:t>
+            </a:r>
+            <a:r>
+              <a:rPr lang="en-IE" sz="2600" dirty="0">
+                <a:highlight>
+                  <a:srgbClr val="C0C0C0"/>
+                </a:highlight>
+                <a:latin typeface="Arial" panose="020B0604020202020204" pitchFamily="34" charset="0"/>
+                <a:cs typeface="Arial" panose="020B0604020202020204" pitchFamily="34" charset="0"/>
+              </a:rPr>
+              <a:t>=1&amp;</a:t>
+            </a:r>
+            <a:r>
+              <a:rPr lang="en-IE" sz="2600" b="0" i="0" dirty="0">
+                <a:effectLst/>
+                <a:highlight>
+                  <a:srgbClr val="C0C0C0"/>
+                </a:highlight>
+                <a:latin typeface="Arial" panose="020B0604020202020204" pitchFamily="34" charset="0"/>
+                <a:cs typeface="Arial" panose="020B0604020202020204" pitchFamily="34" charset="0"/>
+              </a:rPr>
+              <a:t>api_key=c183b23922…</a:t>
+            </a:r>
+          </a:p>
+          <a:p>
+            <a:pPr lvl="1"/>
+            <a:r>
+              <a:rPr lang="en-GB" sz="2600" dirty="0">
+                <a:latin typeface="charter"/>
+              </a:rPr>
+              <a:t>U</a:t>
+            </a:r>
+            <a:r>
+              <a:rPr lang="en-GB" sz="2600" b="0" i="0" dirty="0">
+                <a:effectLst/>
+                <a:latin typeface="charter"/>
+              </a:rPr>
+              <a:t>ses a model that defines the page, total pages, total results and results.</a:t>
+            </a:r>
+            <a:endParaRPr lang="en-IE" sz="2600" b="0" i="0" dirty="0">
+              <a:effectLst/>
+              <a:latin typeface="Inter"/>
+            </a:endParaRPr>
+          </a:p>
+          <a:p>
+            <a:pPr marL="0" indent="0">
+              <a:buNone/>
+            </a:pPr>
+            <a:endParaRPr lang="en-IE" sz="800" dirty="0"/>
+          </a:p>
+          <a:p>
+            <a:pPr marL="0" indent="0">
+              <a:buNone/>
+            </a:pPr>
+            <a:r>
+              <a:rPr lang="en-IE" sz="800" b="1" dirty="0">
+                <a:effectLst/>
+                <a:latin typeface="Consolas" panose="020B0609020204030204" pitchFamily="49" charset="0"/>
+              </a:rPr>
+              <a:t>{</a:t>
+            </a:r>
+          </a:p>
+          <a:p>
+            <a:pPr marL="0" indent="0">
+              <a:buNone/>
+            </a:pPr>
+            <a:r>
+              <a:rPr lang="en-IE" sz="800" b="1" dirty="0">
+                <a:effectLst/>
+                <a:latin typeface="Consolas" panose="020B0609020204030204" pitchFamily="49" charset="0"/>
+              </a:rPr>
+              <a:t>    "page": 1,</a:t>
+            </a:r>
+          </a:p>
+          <a:p>
+            <a:pPr marL="0" indent="0">
+              <a:buNone/>
+            </a:pPr>
+            <a:r>
+              <a:rPr lang="en-IE" sz="800" b="1" dirty="0">
+                <a:effectLst/>
+                <a:latin typeface="Consolas" panose="020B0609020204030204" pitchFamily="49" charset="0"/>
+              </a:rPr>
+              <a:t>    "</a:t>
+            </a:r>
+            <a:r>
+              <a:rPr lang="en-IE" sz="800" b="1" dirty="0" err="1">
+                <a:effectLst/>
+                <a:latin typeface="Consolas" panose="020B0609020204030204" pitchFamily="49" charset="0"/>
+              </a:rPr>
+              <a:t>total_pages</a:t>
+            </a:r>
+            <a:r>
+              <a:rPr lang="en-IE" sz="800" b="1" dirty="0">
+                <a:effectLst/>
+                <a:latin typeface="Consolas" panose="020B0609020204030204" pitchFamily="49" charset="0"/>
+              </a:rPr>
+              <a:t>": 500,</a:t>
+            </a:r>
+          </a:p>
+          <a:p>
+            <a:pPr marL="0" indent="0">
+              <a:buNone/>
+            </a:pPr>
+            <a:r>
+              <a:rPr lang="en-IE" sz="800" b="1" dirty="0">
+                <a:effectLst/>
+                <a:latin typeface="Consolas" panose="020B0609020204030204" pitchFamily="49" charset="0"/>
+              </a:rPr>
+              <a:t>    "</a:t>
+            </a:r>
+            <a:r>
+              <a:rPr lang="en-IE" sz="800" b="1" dirty="0" err="1">
+                <a:effectLst/>
+                <a:latin typeface="Consolas" panose="020B0609020204030204" pitchFamily="49" charset="0"/>
+              </a:rPr>
+              <a:t>total_results</a:t>
+            </a:r>
+            <a:r>
+              <a:rPr lang="en-IE" sz="800" b="1" dirty="0">
+                <a:effectLst/>
+                <a:latin typeface="Consolas" panose="020B0609020204030204" pitchFamily="49" charset="0"/>
+              </a:rPr>
+              <a:t>": 10000,</a:t>
+            </a:r>
+          </a:p>
+          <a:p>
+            <a:pPr marL="0" indent="0">
+              <a:buNone/>
+            </a:pPr>
+            <a:r>
+              <a:rPr lang="en-IE" sz="800" b="1" dirty="0">
+                <a:effectLst/>
+                <a:latin typeface="Consolas" panose="020B0609020204030204" pitchFamily="49" charset="0"/>
+              </a:rPr>
+              <a:t>    "results": [</a:t>
+            </a:r>
+          </a:p>
+          <a:p>
+            <a:pPr marL="0" indent="0">
+              <a:buNone/>
+            </a:pPr>
+            <a:r>
+              <a:rPr lang="en-IE" sz="800" b="1" dirty="0">
+                <a:effectLst/>
+                <a:latin typeface="Consolas" panose="020B0609020204030204" pitchFamily="49" charset="0"/>
+              </a:rPr>
+              <a:t>        {</a:t>
+            </a:r>
+          </a:p>
+          <a:p>
+            <a:pPr marL="0" indent="0">
+              <a:buNone/>
+            </a:pPr>
+            <a:r>
+              <a:rPr lang="en-IE" sz="800" b="1" dirty="0">
+                <a:effectLst/>
+                <a:latin typeface="Consolas" panose="020B0609020204030204" pitchFamily="49" charset="0"/>
+              </a:rPr>
+              <a:t>            "adult": false,</a:t>
+            </a:r>
+          </a:p>
+          <a:p>
+            <a:pPr marL="0" indent="0">
+              <a:buNone/>
+            </a:pPr>
+            <a:r>
+              <a:rPr lang="en-IE" sz="800" b="1" dirty="0">
+                <a:effectLst/>
+                <a:latin typeface="Consolas" panose="020B0609020204030204" pitchFamily="49" charset="0"/>
+              </a:rPr>
+              <a:t>            "</a:t>
+            </a:r>
+            <a:r>
+              <a:rPr lang="en-IE" sz="800" b="1" dirty="0" err="1">
+                <a:effectLst/>
+                <a:latin typeface="Consolas" panose="020B0609020204030204" pitchFamily="49" charset="0"/>
+              </a:rPr>
+              <a:t>backdrop_path</a:t>
+            </a:r>
+            <a:r>
+              <a:rPr lang="en-IE" sz="800" b="1" dirty="0">
+                <a:effectLst/>
+                <a:latin typeface="Consolas" panose="020B0609020204030204" pitchFamily="49" charset="0"/>
+              </a:rPr>
+              <a:t>": "/hJuDvwzS0SPlsE6MNFOpznQltDZ.jpg",</a:t>
+            </a:r>
+          </a:p>
+          <a:p>
+            <a:pPr marL="0" indent="0">
+              <a:buNone/>
+            </a:pPr>
+            <a:r>
+              <a:rPr lang="en-IE" sz="800" b="1" dirty="0">
+                <a:effectLst/>
+                <a:latin typeface="Consolas" panose="020B0609020204030204" pitchFamily="49" charset="0"/>
+              </a:rPr>
+              <a:t>            "</a:t>
+            </a:r>
+            <a:r>
+              <a:rPr lang="en-IE" sz="800" b="1" dirty="0" err="1">
+                <a:effectLst/>
+                <a:latin typeface="Consolas" panose="020B0609020204030204" pitchFamily="49" charset="0"/>
+              </a:rPr>
+              <a:t>genre_ids</a:t>
+            </a:r>
+            <a:endParaRPr lang="en-IE" sz="800" b="1" dirty="0">
+              <a:effectLst/>
+              <a:latin typeface="Consolas" panose="020B0609020204030204" pitchFamily="49" charset="0"/>
+            </a:endParaRPr>
+          </a:p>
+          <a:p>
+            <a:pPr marL="0" indent="0">
+              <a:buNone/>
+            </a:pPr>
+            <a:endParaRPr lang="en-IE" sz="800" dirty="0"/>
+          </a:p>
+        </p:txBody>
+      </p:sp>
+    </p:spTree>
+    <p:extLst>
+      <p:ext uri="{BB962C8B-B14F-4D97-AF65-F5344CB8AC3E}">
+        <p14:creationId xmlns:p14="http://schemas.microsoft.com/office/powerpoint/2010/main" val="3584386387"/>
+      </p:ext>
+    </p:extLst>
+  </p:cSld>
+  <p:clrMapOvr>
+    <a:masterClrMapping/>
+  </p:clrMapOvr>
+</p:sld>
+</file>
+
+<file path=ppt/slides/slide26.xml><?xml version="1.0" encoding="utf-8"?>
+<p:sld xmlns:a="http://schemas.openxmlformats.org/drawingml/2006/main" xmlns:r="http://schemas.openxmlformats.org/officeDocument/2006/relationships" xmlns:p="http://schemas.openxmlformats.org/presentationml/2006/main">
+  <p:cSld>
+    <p:bg>
+      <p:bgPr>
+        <a:solidFill>
+          <a:schemeClr val="bg1"/>
+        </a:solidFill>
+        <a:effectLst/>
+      </p:bgPr>
+    </p:bg>
+    <p:spTree>
+      <p:nvGrpSpPr>
+        <p:cNvPr id="1" name=""/>
+        <p:cNvGrpSpPr/>
+        <p:nvPr/>
+      </p:nvGrpSpPr>
+      <p:grpSpPr>
+        <a:xfrm>
+          <a:off x="0" y="0"/>
+          <a:ext cx="0" cy="0"/>
+          <a:chOff x="0" y="0"/>
+          <a:chExt cx="0" cy="0"/>
+        </a:xfrm>
+      </p:grpSpPr>
+      <p:sp useBgFill="1">
+        <p:nvSpPr>
+          <p:cNvPr id="10" name="Rectangle 9">
+            <a:extLst>
+              <a:ext uri="{FF2B5EF4-FFF2-40B4-BE49-F238E27FC236}">
+                <a16:creationId xmlns:a16="http://schemas.microsoft.com/office/drawing/2014/main" id="{F4C0B10B-D2C4-4A54-AFAD-3D27DF88BB37}"/>
+              </a:ext>
+              <a:ext uri="{C183D7F6-B498-43B3-948B-1728B52AA6E4}">
+                <adec:decorative xmlns:adec="http://schemas.microsoft.com/office/drawing/2017/decorative" val="1"/>
+              </a:ext>
+            </a:extLst>
+          </p:cNvPr>
+          <p:cNvSpPr>
+            <a:spLocks noGrp="1" noRot="1" noChangeAspect="1" noMove="1" noResize="1" noEditPoints="1" noAdjustHandles="1" noChangeArrowheads="1" noChangeShapeType="1" noTextEdit="1"/>
+          </p:cNvSpPr>
+          <p:nvPr>
+            <p:extLst>
+              <p:ext uri="{386F3935-93C4-4BCD-93E2-E3B085C9AB24}">
+                <p16:designElem xmlns:p16="http://schemas.microsoft.com/office/powerpoint/2015/main" val="1"/>
+              </p:ext>
+            </p:extLst>
+          </p:nvPr>
+        </p:nvSpPr>
+        <p:spPr>
+          <a:xfrm>
+            <a:off x="0" y="0"/>
+            <a:ext cx="12188952" cy="6858000"/>
+          </a:xfrm>
+          <a:prstGeom prst="rect">
+            <a:avLst/>
+          </a:prstGeom>
+          <a:ln>
+            <a:noFill/>
+          </a:ln>
+        </p:spPr>
+        <p:style>
+          <a:lnRef idx="2">
+            <a:schemeClr val="accent1">
+              <a:shade val="50000"/>
+            </a:schemeClr>
+          </a:lnRef>
+          <a:fillRef idx="1">
+            <a:schemeClr val="accent1"/>
+          </a:fillRef>
+          <a:effectRef idx="0">
+            <a:schemeClr val="accent1"/>
+          </a:effectRef>
+          <a:fontRef idx="minor">
+            <a:schemeClr val="lt1"/>
+          </a:fontRef>
+        </p:style>
+        <p:txBody>
+          <a:bodyPr rtlCol="0" anchor="ctr"/>
+          <a:lstStyle/>
+          <a:p>
+            <a:pPr algn="ctr"/>
+            <a:endParaRPr lang="en-US"/>
+          </a:p>
+        </p:txBody>
+      </p:sp>
+      <p:grpSp>
+        <p:nvGrpSpPr>
+          <p:cNvPr id="12" name="Group 11">
+            <a:extLst>
+              <a:ext uri="{FF2B5EF4-FFF2-40B4-BE49-F238E27FC236}">
+                <a16:creationId xmlns:a16="http://schemas.microsoft.com/office/drawing/2014/main" id="{B6BADB90-C74B-40D6-86DC-503F65FCE8DC}"/>
+              </a:ext>
+              <a:ext uri="{C183D7F6-B498-43B3-948B-1728B52AA6E4}">
+                <adec:decorative xmlns:adec="http://schemas.microsoft.com/office/drawing/2017/decorative" val="1"/>
+              </a:ext>
+            </a:extLst>
+          </p:cNvPr>
+          <p:cNvGrpSpPr>
+            <a:grpSpLocks noGrp="1" noUngrp="1" noRot="1" noChangeAspect="1" noMove="1" noResize="1"/>
+          </p:cNvGrpSpPr>
+          <p:nvPr>
+            <p:extLst>
+              <p:ext uri="{386F3935-93C4-4BCD-93E2-E3B085C9AB24}">
+                <p16:designElem xmlns:p16="http://schemas.microsoft.com/office/powerpoint/2015/main" val="1"/>
+              </p:ext>
+            </p:extLst>
+          </p:nvPr>
+        </p:nvGrpSpPr>
+        <p:grpSpPr>
+          <a:xfrm>
+            <a:off x="409710" y="635715"/>
+            <a:ext cx="11142208" cy="2482136"/>
+            <a:chOff x="409710" y="635715"/>
+            <a:chExt cx="11142208" cy="2482136"/>
+          </a:xfrm>
+        </p:grpSpPr>
+        <p:sp>
+          <p:nvSpPr>
+            <p:cNvPr id="13" name="Freeform 44">
+              <a:extLst>
+                <a:ext uri="{FF2B5EF4-FFF2-40B4-BE49-F238E27FC236}">
+                  <a16:creationId xmlns:a16="http://schemas.microsoft.com/office/drawing/2014/main" id="{6559431D-1886-4AE0-9B87-9AD2ECAB8439}"/>
+                </a:ext>
+                <a:ext uri="{C183D7F6-B498-43B3-948B-1728B52AA6E4}">
+                  <adec:decorative xmlns:adec="http://schemas.microsoft.com/office/drawing/2017/decorative" val="1"/>
+                </a:ext>
+              </a:extLst>
+            </p:cNvPr>
+            <p:cNvSpPr>
+              <a:spLocks/>
+            </p:cNvSpPr>
+            <p:nvPr>
+              <p:extLst>
+                <p:ext uri="{386F3935-93C4-4BCD-93E2-E3B085C9AB24}">
+                  <p16:designElem xmlns:p16="http://schemas.microsoft.com/office/powerpoint/2015/main" val="1"/>
+                </p:ext>
+              </p:extLst>
+            </p:nvPr>
+          </p:nvSpPr>
+          <p:spPr bwMode="auto">
+            <a:xfrm>
+              <a:off x="11223203" y="635716"/>
+              <a:ext cx="328612" cy="1742360"/>
+            </a:xfrm>
+            <a:custGeom>
+              <a:avLst/>
+              <a:gdLst>
+                <a:gd name="T0" fmla="*/ 207 w 207"/>
+                <a:gd name="T1" fmla="*/ 987 h 1114"/>
+                <a:gd name="T2" fmla="*/ 0 w 207"/>
+                <a:gd name="T3" fmla="*/ 1114 h 1114"/>
+                <a:gd name="T4" fmla="*/ 0 w 207"/>
+                <a:gd name="T5" fmla="*/ 127 h 1114"/>
+                <a:gd name="T6" fmla="*/ 207 w 207"/>
+                <a:gd name="T7" fmla="*/ 0 h 1114"/>
+                <a:gd name="T8" fmla="*/ 207 w 207"/>
+                <a:gd name="T9" fmla="*/ 987 h 1114"/>
+              </a:gdLst>
+              <a:ahLst/>
+              <a:cxnLst>
+                <a:cxn ang="0">
+                  <a:pos x="T0" y="T1"/>
+                </a:cxn>
+                <a:cxn ang="0">
+                  <a:pos x="T2" y="T3"/>
+                </a:cxn>
+                <a:cxn ang="0">
+                  <a:pos x="T4" y="T5"/>
+                </a:cxn>
+                <a:cxn ang="0">
+                  <a:pos x="T6" y="T7"/>
+                </a:cxn>
+                <a:cxn ang="0">
+                  <a:pos x="T8" y="T9"/>
+                </a:cxn>
+              </a:cxnLst>
+              <a:rect l="0" t="0" r="r" b="b"/>
+              <a:pathLst>
+                <a:path w="207" h="1114">
+                  <a:moveTo>
+                    <a:pt x="207" y="987"/>
+                  </a:moveTo>
+                  <a:lnTo>
+                    <a:pt x="0" y="1114"/>
+                  </a:lnTo>
+                  <a:lnTo>
+                    <a:pt x="0" y="127"/>
+                  </a:lnTo>
+                  <a:lnTo>
+                    <a:pt x="207" y="0"/>
+                  </a:lnTo>
+                  <a:lnTo>
+                    <a:pt x="207" y="987"/>
+                  </a:lnTo>
+                  <a:close/>
+                </a:path>
+              </a:pathLst>
+            </a:custGeom>
+            <a:solidFill>
+              <a:schemeClr val="accent1">
+                <a:lumMod val="50000"/>
+              </a:schemeClr>
+            </a:solidFill>
+            <a:ln>
+              <a:noFill/>
+            </a:ln>
+          </p:spPr>
+          <p:txBody>
+            <a:bodyPr vert="horz" wrap="square" lIns="91440" tIns="45720" rIns="91440" bIns="45720" numCol="1" anchor="t" anchorCtr="0" compatLnSpc="1">
+              <a:prstTxWarp prst="textNoShape">
+                <a:avLst/>
+              </a:prstTxWarp>
+            </a:bodyPr>
+            <a:lstStyle/>
+            <a:p>
+              <a:endParaRPr lang="en-US"/>
+            </a:p>
+          </p:txBody>
+        </p:sp>
+        <p:sp>
+          <p:nvSpPr>
+            <p:cNvPr id="14" name="Freeform 45">
+              <a:extLst>
+                <a:ext uri="{FF2B5EF4-FFF2-40B4-BE49-F238E27FC236}">
+                  <a16:creationId xmlns:a16="http://schemas.microsoft.com/office/drawing/2014/main" id="{373850A5-B04A-4FCD-9E73-EE322167FB31}"/>
+                </a:ext>
+                <a:ext uri="{C183D7F6-B498-43B3-948B-1728B52AA6E4}">
+                  <adec:decorative xmlns:adec="http://schemas.microsoft.com/office/drawing/2017/decorative" val="1"/>
+                </a:ext>
+              </a:extLst>
+            </p:cNvPr>
+            <p:cNvSpPr>
+              <a:spLocks/>
+            </p:cNvSpPr>
+            <p:nvPr>
+              <p:extLst>
+                <p:ext uri="{386F3935-93C4-4BCD-93E2-E3B085C9AB24}">
+                  <p16:designElem xmlns:p16="http://schemas.microsoft.com/office/powerpoint/2015/main" val="1"/>
+                </p:ext>
+              </p:extLst>
+            </p:nvPr>
+          </p:nvSpPr>
+          <p:spPr bwMode="auto">
+            <a:xfrm>
+              <a:off x="409710" y="1022350"/>
+              <a:ext cx="709612" cy="2095501"/>
+            </a:xfrm>
+            <a:custGeom>
+              <a:avLst/>
+              <a:gdLst>
+                <a:gd name="T0" fmla="*/ 447 w 447"/>
+                <a:gd name="T1" fmla="*/ 1363 h 1363"/>
+                <a:gd name="T2" fmla="*/ 0 w 447"/>
+                <a:gd name="T3" fmla="*/ 987 h 1363"/>
+                <a:gd name="T4" fmla="*/ 0 w 447"/>
+                <a:gd name="T5" fmla="*/ 0 h 1363"/>
+                <a:gd name="T6" fmla="*/ 447 w 447"/>
+                <a:gd name="T7" fmla="*/ 376 h 1363"/>
+                <a:gd name="T8" fmla="*/ 447 w 447"/>
+                <a:gd name="T9" fmla="*/ 1363 h 1363"/>
+              </a:gdLst>
+              <a:ahLst/>
+              <a:cxnLst>
+                <a:cxn ang="0">
+                  <a:pos x="T0" y="T1"/>
+                </a:cxn>
+                <a:cxn ang="0">
+                  <a:pos x="T2" y="T3"/>
+                </a:cxn>
+                <a:cxn ang="0">
+                  <a:pos x="T4" y="T5"/>
+                </a:cxn>
+                <a:cxn ang="0">
+                  <a:pos x="T6" y="T7"/>
+                </a:cxn>
+                <a:cxn ang="0">
+                  <a:pos x="T8" y="T9"/>
+                </a:cxn>
+              </a:cxnLst>
+              <a:rect l="0" t="0" r="r" b="b"/>
+              <a:pathLst>
+                <a:path w="447" h="1363">
+                  <a:moveTo>
+                    <a:pt x="447" y="1363"/>
+                  </a:moveTo>
+                  <a:lnTo>
+                    <a:pt x="0" y="987"/>
+                  </a:lnTo>
+                  <a:lnTo>
+                    <a:pt x="0" y="0"/>
+                  </a:lnTo>
+                  <a:lnTo>
+                    <a:pt x="447" y="376"/>
+                  </a:lnTo>
+                  <a:lnTo>
+                    <a:pt x="447" y="1363"/>
+                  </a:lnTo>
+                  <a:close/>
+                </a:path>
+              </a:pathLst>
+            </a:custGeom>
+            <a:solidFill>
+              <a:schemeClr val="accent1">
+                <a:lumMod val="50000"/>
+              </a:schemeClr>
+            </a:solidFill>
+            <a:ln>
+              <a:noFill/>
+            </a:ln>
+          </p:spPr>
+          <p:txBody>
+            <a:bodyPr vert="horz" wrap="square" lIns="91440" tIns="45720" rIns="91440" bIns="45720" numCol="1" anchor="t" anchorCtr="0" compatLnSpc="1">
+              <a:prstTxWarp prst="textNoShape">
+                <a:avLst/>
+              </a:prstTxWarp>
+            </a:bodyPr>
+            <a:lstStyle/>
+            <a:p>
+              <a:endParaRPr lang="en-US"/>
+            </a:p>
+          </p:txBody>
+        </p:sp>
+        <p:sp>
+          <p:nvSpPr>
+            <p:cNvPr id="15" name="Freeform 46">
+              <a:extLst>
+                <a:ext uri="{FF2B5EF4-FFF2-40B4-BE49-F238E27FC236}">
+                  <a16:creationId xmlns:a16="http://schemas.microsoft.com/office/drawing/2014/main" id="{82C18C67-80FA-4738-AA53-0AF2419F98E0}"/>
+                </a:ext>
+                <a:ext uri="{C183D7F6-B498-43B3-948B-1728B52AA6E4}">
+                  <adec:decorative xmlns:adec="http://schemas.microsoft.com/office/drawing/2017/decorative" val="1"/>
+                </a:ext>
+              </a:extLst>
+            </p:cNvPr>
+            <p:cNvSpPr>
+              <a:spLocks/>
+            </p:cNvSpPr>
+            <p:nvPr>
+              <p:extLst>
+                <p:ext uri="{386F3935-93C4-4BCD-93E2-E3B085C9AB24}">
+                  <p16:designElem xmlns:p16="http://schemas.microsoft.com/office/powerpoint/2015/main" val="1"/>
+                </p:ext>
+              </p:extLst>
+            </p:nvPr>
+          </p:nvSpPr>
+          <p:spPr bwMode="auto">
+            <a:xfrm>
+              <a:off x="409710" y="837744"/>
+              <a:ext cx="403225" cy="1705431"/>
+            </a:xfrm>
+            <a:custGeom>
+              <a:avLst/>
+              <a:gdLst>
+                <a:gd name="T0" fmla="*/ 254 w 254"/>
+                <a:gd name="T1" fmla="*/ 987 h 1109"/>
+                <a:gd name="T2" fmla="*/ 0 w 254"/>
+                <a:gd name="T3" fmla="*/ 1109 h 1109"/>
+                <a:gd name="T4" fmla="*/ 0 w 254"/>
+                <a:gd name="T5" fmla="*/ 119 h 1109"/>
+                <a:gd name="T6" fmla="*/ 254 w 254"/>
+                <a:gd name="T7" fmla="*/ 0 h 1109"/>
+                <a:gd name="T8" fmla="*/ 254 w 254"/>
+                <a:gd name="T9" fmla="*/ 987 h 1109"/>
+              </a:gdLst>
+              <a:ahLst/>
+              <a:cxnLst>
+                <a:cxn ang="0">
+                  <a:pos x="T0" y="T1"/>
+                </a:cxn>
+                <a:cxn ang="0">
+                  <a:pos x="T2" y="T3"/>
+                </a:cxn>
+                <a:cxn ang="0">
+                  <a:pos x="T4" y="T5"/>
+                </a:cxn>
+                <a:cxn ang="0">
+                  <a:pos x="T6" y="T7"/>
+                </a:cxn>
+                <a:cxn ang="0">
+                  <a:pos x="T8" y="T9"/>
+                </a:cxn>
+              </a:cxnLst>
+              <a:rect l="0" t="0" r="r" b="b"/>
+              <a:pathLst>
+                <a:path w="254" h="1109">
+                  <a:moveTo>
+                    <a:pt x="254" y="987"/>
+                  </a:moveTo>
+                  <a:lnTo>
+                    <a:pt x="0" y="1109"/>
+                  </a:lnTo>
+                  <a:lnTo>
+                    <a:pt x="0" y="119"/>
+                  </a:lnTo>
+                  <a:lnTo>
+                    <a:pt x="254" y="0"/>
+                  </a:lnTo>
+                  <a:lnTo>
+                    <a:pt x="254" y="987"/>
+                  </a:lnTo>
+                  <a:close/>
+                </a:path>
+              </a:pathLst>
+            </a:custGeom>
+            <a:solidFill>
+              <a:schemeClr val="accent1">
+                <a:lumMod val="75000"/>
+              </a:schemeClr>
+            </a:solidFill>
+            <a:ln>
+              <a:noFill/>
+            </a:ln>
+          </p:spPr>
+          <p:txBody>
+            <a:bodyPr vert="horz" wrap="square" lIns="91440" tIns="45720" rIns="91440" bIns="45720" numCol="1" anchor="t" anchorCtr="0" compatLnSpc="1">
+              <a:prstTxWarp prst="textNoShape">
+                <a:avLst/>
+              </a:prstTxWarp>
+            </a:bodyPr>
+            <a:lstStyle/>
+            <a:p>
+              <a:endParaRPr lang="en-US"/>
+            </a:p>
+          </p:txBody>
+        </p:sp>
+        <p:sp>
+          <p:nvSpPr>
+            <p:cNvPr id="16" name="Freeform 47">
+              <a:extLst>
+                <a:ext uri="{FF2B5EF4-FFF2-40B4-BE49-F238E27FC236}">
+                  <a16:creationId xmlns:a16="http://schemas.microsoft.com/office/drawing/2014/main" id="{48543B1A-8BF5-4C63-8404-41B2EA70B33E}"/>
+                </a:ext>
+                <a:ext uri="{C183D7F6-B498-43B3-948B-1728B52AA6E4}">
+                  <adec:decorative xmlns:adec="http://schemas.microsoft.com/office/drawing/2017/decorative" val="1"/>
+                </a:ext>
+              </a:extLst>
+            </p:cNvPr>
+            <p:cNvSpPr>
+              <a:spLocks/>
+            </p:cNvSpPr>
+            <p:nvPr>
+              <p:extLst>
+                <p:ext uri="{386F3935-93C4-4BCD-93E2-E3B085C9AB24}">
+                  <p16:designElem xmlns:p16="http://schemas.microsoft.com/office/powerpoint/2015/main" val="1"/>
+                </p:ext>
+              </p:extLst>
+            </p:nvPr>
+          </p:nvSpPr>
+          <p:spPr bwMode="auto">
+            <a:xfrm>
+              <a:off x="644660" y="640894"/>
+              <a:ext cx="168275" cy="1713195"/>
+            </a:xfrm>
+            <a:custGeom>
+              <a:avLst/>
+              <a:gdLst>
+                <a:gd name="T0" fmla="*/ 106 w 106"/>
+                <a:gd name="T1" fmla="*/ 1114 h 1114"/>
+                <a:gd name="T2" fmla="*/ 0 w 106"/>
+                <a:gd name="T3" fmla="*/ 1005 h 1114"/>
+                <a:gd name="T4" fmla="*/ 0 w 106"/>
+                <a:gd name="T5" fmla="*/ 0 h 1114"/>
+                <a:gd name="T6" fmla="*/ 106 w 106"/>
+                <a:gd name="T7" fmla="*/ 110 h 1114"/>
+                <a:gd name="T8" fmla="*/ 106 w 106"/>
+                <a:gd name="T9" fmla="*/ 1114 h 1114"/>
+              </a:gdLst>
+              <a:ahLst/>
+              <a:cxnLst>
+                <a:cxn ang="0">
+                  <a:pos x="T0" y="T1"/>
+                </a:cxn>
+                <a:cxn ang="0">
+                  <a:pos x="T2" y="T3"/>
+                </a:cxn>
+                <a:cxn ang="0">
+                  <a:pos x="T4" y="T5"/>
+                </a:cxn>
+                <a:cxn ang="0">
+                  <a:pos x="T6" y="T7"/>
+                </a:cxn>
+                <a:cxn ang="0">
+                  <a:pos x="T8" y="T9"/>
+                </a:cxn>
+              </a:cxnLst>
+              <a:rect l="0" t="0" r="r" b="b"/>
+              <a:pathLst>
+                <a:path w="106" h="1114">
+                  <a:moveTo>
+                    <a:pt x="106" y="1114"/>
+                  </a:moveTo>
+                  <a:lnTo>
+                    <a:pt x="0" y="1005"/>
+                  </a:lnTo>
+                  <a:lnTo>
+                    <a:pt x="0" y="0"/>
+                  </a:lnTo>
+                  <a:lnTo>
+                    <a:pt x="106" y="110"/>
+                  </a:lnTo>
+                  <a:lnTo>
+                    <a:pt x="106" y="1114"/>
+                  </a:lnTo>
+                  <a:close/>
+                </a:path>
+              </a:pathLst>
+            </a:custGeom>
+            <a:solidFill>
+              <a:schemeClr val="accent1">
+                <a:lumMod val="50000"/>
+              </a:schemeClr>
+            </a:solidFill>
+            <a:ln>
+              <a:noFill/>
+            </a:ln>
+          </p:spPr>
+          <p:txBody>
+            <a:bodyPr vert="horz" wrap="square" lIns="91440" tIns="45720" rIns="91440" bIns="45720" numCol="1" anchor="t" anchorCtr="0" compatLnSpc="1">
+              <a:prstTxWarp prst="textNoShape">
+                <a:avLst/>
+              </a:prstTxWarp>
+            </a:bodyPr>
+            <a:lstStyle/>
+            <a:p>
+              <a:endParaRPr lang="en-US"/>
+            </a:p>
+          </p:txBody>
+        </p:sp>
+        <p:sp>
+          <p:nvSpPr>
+            <p:cNvPr id="17" name="Rectangle 16">
+              <a:extLst>
+                <a:ext uri="{FF2B5EF4-FFF2-40B4-BE49-F238E27FC236}">
+                  <a16:creationId xmlns:a16="http://schemas.microsoft.com/office/drawing/2014/main" id="{92DF5096-E051-498C-A3ED-CBA77A813AAC}"/>
+                </a:ext>
+                <a:ext uri="{C183D7F6-B498-43B3-948B-1728B52AA6E4}">
+                  <adec:decorative xmlns:adec="http://schemas.microsoft.com/office/drawing/2017/decorative" val="1"/>
+                </a:ext>
+              </a:extLst>
+            </p:cNvPr>
+            <p:cNvSpPr>
+              <a:spLocks noChangeArrowheads="1"/>
+            </p:cNvSpPr>
+            <p:nvPr>
+              <p:extLst>
+                <p:ext uri="{386F3935-93C4-4BCD-93E2-E3B085C9AB24}">
+                  <p16:designElem xmlns:p16="http://schemas.microsoft.com/office/powerpoint/2015/main" val="1"/>
+                </p:ext>
+              </p:extLst>
+            </p:nvPr>
+          </p:nvSpPr>
+          <p:spPr bwMode="auto">
+            <a:xfrm>
+              <a:off x="644055" y="635715"/>
+              <a:ext cx="10907863" cy="1541457"/>
+            </a:xfrm>
+            <a:prstGeom prst="rect">
+              <a:avLst/>
+            </a:prstGeom>
+            <a:solidFill>
+              <a:schemeClr val="accent1"/>
+            </a:solidFill>
+            <a:ln>
+              <a:noFill/>
+            </a:ln>
+          </p:spPr>
+          <p:txBody>
+            <a:bodyPr vert="horz" wrap="square" lIns="91440" tIns="45720" rIns="91440" bIns="45720" numCol="1" anchor="t" anchorCtr="0" compatLnSpc="1">
+              <a:prstTxWarp prst="textNoShape">
+                <a:avLst/>
+              </a:prstTxWarp>
+            </a:bodyPr>
+            <a:lstStyle/>
+            <a:p>
+              <a:endParaRPr lang="en-US"/>
+            </a:p>
+          </p:txBody>
+        </p:sp>
+      </p:grpSp>
+      <p:sp>
+        <p:nvSpPr>
+          <p:cNvPr id="2" name="Title 1">
+            <a:extLst>
+              <a:ext uri="{FF2B5EF4-FFF2-40B4-BE49-F238E27FC236}">
+                <a16:creationId xmlns:a16="http://schemas.microsoft.com/office/drawing/2014/main" id="{85DD5E17-AC31-41FD-8BBB-E8BBC32C3A61}"/>
+              </a:ext>
+            </a:extLst>
+          </p:cNvPr>
+          <p:cNvSpPr>
+            <a:spLocks noGrp="1"/>
+          </p:cNvSpPr>
+          <p:nvPr>
+            <p:ph type="title"/>
+          </p:nvPr>
+        </p:nvSpPr>
+        <p:spPr>
+          <a:xfrm>
+            <a:off x="1047280" y="759805"/>
+            <a:ext cx="10306520" cy="1325563"/>
+          </a:xfrm>
+        </p:spPr>
+        <p:txBody>
+          <a:bodyPr>
+            <a:normAutofit/>
+          </a:bodyPr>
+          <a:lstStyle/>
+          <a:p>
+            <a:r>
+              <a:rPr lang="en-IE" sz="4000">
+                <a:solidFill>
+                  <a:srgbClr val="FFFFFF"/>
+                </a:solidFill>
+              </a:rPr>
+              <a:t>API: Good Practice2</a:t>
+            </a:r>
+          </a:p>
+        </p:txBody>
+      </p:sp>
+      <p:sp>
+        <p:nvSpPr>
+          <p:cNvPr id="3" name="Content Placeholder 2">
+            <a:extLst>
+              <a:ext uri="{FF2B5EF4-FFF2-40B4-BE49-F238E27FC236}">
+                <a16:creationId xmlns:a16="http://schemas.microsoft.com/office/drawing/2014/main" id="{41D01776-0A27-42D3-AEB3-3C5B04DBA899}"/>
+              </a:ext>
+            </a:extLst>
+          </p:cNvPr>
+          <p:cNvSpPr>
+            <a:spLocks noGrp="1"/>
+          </p:cNvSpPr>
+          <p:nvPr>
+            <p:ph idx="1"/>
+          </p:nvPr>
+        </p:nvSpPr>
+        <p:spPr>
+          <a:xfrm>
+            <a:off x="1424904" y="2494450"/>
+            <a:ext cx="4053545" cy="3563159"/>
+          </a:xfrm>
+        </p:spPr>
+        <p:txBody>
+          <a:bodyPr>
+            <a:normAutofit/>
+          </a:bodyPr>
+          <a:lstStyle/>
+          <a:p>
+            <a:r>
+              <a:rPr lang="en-IE" sz="2400" b="1" dirty="0"/>
+              <a:t>HTTP Status Codes </a:t>
+            </a:r>
+            <a:r>
+              <a:rPr lang="en-IE" sz="2400" dirty="0"/>
+              <a:t>are important</a:t>
+            </a:r>
+          </a:p>
+          <a:p>
+            <a:r>
+              <a:rPr lang="en-GB" sz="2400" b="0" i="0" dirty="0">
+                <a:effectLst/>
+                <a:latin typeface="charter"/>
+              </a:rPr>
+              <a:t>HTTP clients may rely on correct use the standard HTTP status codes ranges.</a:t>
+            </a:r>
+          </a:p>
+          <a:p>
+            <a:pPr marL="0" indent="0">
+              <a:buNone/>
+            </a:pPr>
+            <a:r>
+              <a:rPr lang="en-GB" sz="2400" b="0" i="0" dirty="0">
+                <a:effectLst/>
+                <a:latin typeface="charter"/>
+              </a:rPr>
+              <a:t> </a:t>
+            </a:r>
+          </a:p>
+          <a:p>
+            <a:endParaRPr lang="en-IE" sz="2400" dirty="0"/>
+          </a:p>
+        </p:txBody>
+      </p:sp>
+      <p:pic>
+        <p:nvPicPr>
+          <p:cNvPr id="5" name="Picture 4">
+            <a:extLst>
+              <a:ext uri="{FF2B5EF4-FFF2-40B4-BE49-F238E27FC236}">
+                <a16:creationId xmlns:a16="http://schemas.microsoft.com/office/drawing/2014/main" id="{3DBB7C63-E166-45E1-BEFA-900E42B18CBD}"/>
+              </a:ext>
+            </a:extLst>
+          </p:cNvPr>
+          <p:cNvPicPr>
+            <a:picLocks noChangeAspect="1"/>
+          </p:cNvPicPr>
+          <p:nvPr/>
+        </p:nvPicPr>
+        <p:blipFill rotWithShape="1">
+          <a:blip r:embed="rId2"/>
+          <a:srcRect l="742" r="72304"/>
+          <a:stretch/>
+        </p:blipFill>
+        <p:spPr>
+          <a:xfrm>
+            <a:off x="6098892" y="2492376"/>
+            <a:ext cx="4802404" cy="3563372"/>
+          </a:xfrm>
+          <a:prstGeom prst="rect">
+            <a:avLst/>
+          </a:prstGeom>
+        </p:spPr>
+      </p:pic>
+    </p:spTree>
+    <p:extLst>
+      <p:ext uri="{BB962C8B-B14F-4D97-AF65-F5344CB8AC3E}">
+        <p14:creationId xmlns:p14="http://schemas.microsoft.com/office/powerpoint/2010/main" val="90780818"/>
+      </p:ext>
+    </p:extLst>
+  </p:cSld>
+  <p:clrMapOvr>
+    <a:masterClrMapping/>
+  </p:clrMapOvr>
+</p:sld>
+</file>
+
+<file path=ppt/slides/slide27.xml><?xml version="1.0" encoding="utf-8"?>
 <p:sld xmlns:a="http://schemas.openxmlformats.org/drawingml/2006/main" xmlns:r="http://schemas.openxmlformats.org/officeDocument/2006/relationships" xmlns:p="http://schemas.openxmlformats.org/presentationml/2006/main">
   <p:cSld>
     <p:bg>
@@ -17056,1620 +18672,6 @@
     <p:extLst>
       <p:ext uri="{BB962C8B-B14F-4D97-AF65-F5344CB8AC3E}">
         <p14:creationId xmlns:p14="http://schemas.microsoft.com/office/powerpoint/2010/main" val="120022701"/>
-      </p:ext>
-    </p:extLst>
-  </p:cSld>
-  <p:clrMapOvr>
-    <a:masterClrMapping/>
-  </p:clrMapOvr>
-</p:sld>
-</file>
-
-<file path=ppt/slides/slide26.xml><?xml version="1.0" encoding="utf-8"?>
-<p:sld xmlns:a="http://schemas.openxmlformats.org/drawingml/2006/main" xmlns:r="http://schemas.openxmlformats.org/officeDocument/2006/relationships" xmlns:p="http://schemas.openxmlformats.org/presentationml/2006/main">
-  <p:cSld>
-    <p:bg>
-      <p:bgPr>
-        <a:solidFill>
-          <a:schemeClr val="bg1"/>
-        </a:solidFill>
-        <a:effectLst/>
-      </p:bgPr>
-    </p:bg>
-    <p:spTree>
-      <p:nvGrpSpPr>
-        <p:cNvPr id="1" name=""/>
-        <p:cNvGrpSpPr/>
-        <p:nvPr/>
-      </p:nvGrpSpPr>
-      <p:grpSpPr>
-        <a:xfrm>
-          <a:off x="0" y="0"/>
-          <a:ext cx="0" cy="0"/>
-          <a:chOff x="0" y="0"/>
-          <a:chExt cx="0" cy="0"/>
-        </a:xfrm>
-      </p:grpSpPr>
-      <p:sp useBgFill="1">
-        <p:nvSpPr>
-          <p:cNvPr id="8" name="Rectangle 7">
-            <a:extLst>
-              <a:ext uri="{FF2B5EF4-FFF2-40B4-BE49-F238E27FC236}">
-                <a16:creationId xmlns:a16="http://schemas.microsoft.com/office/drawing/2014/main" id="{827B839B-9ADE-406B-8590-F1CAEDED45A1}"/>
-              </a:ext>
-              <a:ext uri="{C183D7F6-B498-43B3-948B-1728B52AA6E4}">
-                <adec:decorative xmlns:adec="http://schemas.microsoft.com/office/drawing/2017/decorative" val="1"/>
-              </a:ext>
-            </a:extLst>
-          </p:cNvPr>
-          <p:cNvSpPr>
-            <a:spLocks noGrp="1" noRot="1" noChangeAspect="1" noMove="1" noResize="1" noEditPoints="1" noAdjustHandles="1" noChangeArrowheads="1" noChangeShapeType="1" noTextEdit="1"/>
-          </p:cNvSpPr>
-          <p:nvPr>
-            <p:extLst>
-              <p:ext uri="{386F3935-93C4-4BCD-93E2-E3B085C9AB24}">
-                <p16:designElem xmlns:p16="http://schemas.microsoft.com/office/powerpoint/2015/main" val="1"/>
-              </p:ext>
-            </p:extLst>
-          </p:nvPr>
-        </p:nvSpPr>
-        <p:spPr>
-          <a:xfrm>
-            <a:off x="0" y="0"/>
-            <a:ext cx="12188952" cy="6858000"/>
-          </a:xfrm>
-          <a:prstGeom prst="rect">
-            <a:avLst/>
-          </a:prstGeom>
-          <a:ln>
-            <a:noFill/>
-          </a:ln>
-        </p:spPr>
-        <p:style>
-          <a:lnRef idx="2">
-            <a:schemeClr val="accent1">
-              <a:shade val="50000"/>
-            </a:schemeClr>
-          </a:lnRef>
-          <a:fillRef idx="1">
-            <a:schemeClr val="accent1"/>
-          </a:fillRef>
-          <a:effectRef idx="0">
-            <a:schemeClr val="accent1"/>
-          </a:effectRef>
-          <a:fontRef idx="minor">
-            <a:schemeClr val="lt1"/>
-          </a:fontRef>
-        </p:style>
-        <p:txBody>
-          <a:bodyPr rtlCol="0" anchor="ctr"/>
-          <a:lstStyle/>
-          <a:p>
-            <a:pPr algn="ctr"/>
-            <a:endParaRPr lang="en-US"/>
-          </a:p>
-        </p:txBody>
-      </p:sp>
-      <p:sp>
-        <p:nvSpPr>
-          <p:cNvPr id="10" name="Freeform 45">
-            <a:extLst>
-              <a:ext uri="{FF2B5EF4-FFF2-40B4-BE49-F238E27FC236}">
-                <a16:creationId xmlns:a16="http://schemas.microsoft.com/office/drawing/2014/main" id="{CFE45BF0-46DB-408C-B5F7-7B11716805D4}"/>
-              </a:ext>
-              <a:ext uri="{C183D7F6-B498-43B3-948B-1728B52AA6E4}">
-                <adec:decorative xmlns:adec="http://schemas.microsoft.com/office/drawing/2017/decorative" val="1"/>
-              </a:ext>
-            </a:extLst>
-          </p:cNvPr>
-          <p:cNvSpPr>
-            <a:spLocks noGrp="1" noRot="1" noChangeAspect="1" noMove="1" noResize="1" noEditPoints="1" noAdjustHandles="1" noChangeArrowheads="1" noChangeShapeType="1" noTextEdit="1"/>
-          </p:cNvSpPr>
-          <p:nvPr>
-            <p:extLst>
-              <p:ext uri="{386F3935-93C4-4BCD-93E2-E3B085C9AB24}">
-                <p16:designElem xmlns:p16="http://schemas.microsoft.com/office/powerpoint/2015/main" val="1"/>
-              </p:ext>
-            </p:extLst>
-          </p:nvPr>
-        </p:nvSpPr>
-        <p:spPr bwMode="auto">
-          <a:xfrm>
-            <a:off x="409710" y="1022350"/>
-            <a:ext cx="709612" cy="2095501"/>
-          </a:xfrm>
-          <a:custGeom>
-            <a:avLst/>
-            <a:gdLst>
-              <a:gd name="T0" fmla="*/ 447 w 447"/>
-              <a:gd name="T1" fmla="*/ 1363 h 1363"/>
-              <a:gd name="T2" fmla="*/ 0 w 447"/>
-              <a:gd name="T3" fmla="*/ 987 h 1363"/>
-              <a:gd name="T4" fmla="*/ 0 w 447"/>
-              <a:gd name="T5" fmla="*/ 0 h 1363"/>
-              <a:gd name="T6" fmla="*/ 447 w 447"/>
-              <a:gd name="T7" fmla="*/ 376 h 1363"/>
-              <a:gd name="T8" fmla="*/ 447 w 447"/>
-              <a:gd name="T9" fmla="*/ 1363 h 1363"/>
-            </a:gdLst>
-            <a:ahLst/>
-            <a:cxnLst>
-              <a:cxn ang="0">
-                <a:pos x="T0" y="T1"/>
-              </a:cxn>
-              <a:cxn ang="0">
-                <a:pos x="T2" y="T3"/>
-              </a:cxn>
-              <a:cxn ang="0">
-                <a:pos x="T4" y="T5"/>
-              </a:cxn>
-              <a:cxn ang="0">
-                <a:pos x="T6" y="T7"/>
-              </a:cxn>
-              <a:cxn ang="0">
-                <a:pos x="T8" y="T9"/>
-              </a:cxn>
-            </a:cxnLst>
-            <a:rect l="0" t="0" r="r" b="b"/>
-            <a:pathLst>
-              <a:path w="447" h="1363">
-                <a:moveTo>
-                  <a:pt x="447" y="1363"/>
-                </a:moveTo>
-                <a:lnTo>
-                  <a:pt x="0" y="987"/>
-                </a:lnTo>
-                <a:lnTo>
-                  <a:pt x="0" y="0"/>
-                </a:lnTo>
-                <a:lnTo>
-                  <a:pt x="447" y="376"/>
-                </a:lnTo>
-                <a:lnTo>
-                  <a:pt x="447" y="1363"/>
-                </a:lnTo>
-                <a:close/>
-              </a:path>
-            </a:pathLst>
-          </a:custGeom>
-          <a:solidFill>
-            <a:schemeClr val="accent1">
-              <a:lumMod val="50000"/>
-            </a:schemeClr>
-          </a:solidFill>
-          <a:ln>
-            <a:noFill/>
-          </a:ln>
-        </p:spPr>
-        <p:txBody>
-          <a:bodyPr vert="horz" wrap="square" lIns="91440" tIns="45720" rIns="91440" bIns="45720" numCol="1" anchor="t" anchorCtr="0" compatLnSpc="1">
-            <a:prstTxWarp prst="textNoShape">
-              <a:avLst/>
-            </a:prstTxWarp>
-          </a:bodyPr>
-          <a:lstStyle/>
-          <a:p>
-            <a:endParaRPr lang="en-US"/>
-          </a:p>
-        </p:txBody>
-      </p:sp>
-      <p:sp>
-        <p:nvSpPr>
-          <p:cNvPr id="12" name="Freeform 46">
-            <a:extLst>
-              <a:ext uri="{FF2B5EF4-FFF2-40B4-BE49-F238E27FC236}">
-                <a16:creationId xmlns:a16="http://schemas.microsoft.com/office/drawing/2014/main" id="{2AEBC8F2-97B1-41B4-93F1-2D289E197FBA}"/>
-              </a:ext>
-              <a:ext uri="{C183D7F6-B498-43B3-948B-1728B52AA6E4}">
-                <adec:decorative xmlns:adec="http://schemas.microsoft.com/office/drawing/2017/decorative" val="1"/>
-              </a:ext>
-            </a:extLst>
-          </p:cNvPr>
-          <p:cNvSpPr>
-            <a:spLocks noGrp="1" noRot="1" noChangeAspect="1" noMove="1" noResize="1" noEditPoints="1" noAdjustHandles="1" noChangeArrowheads="1" noChangeShapeType="1" noTextEdit="1"/>
-          </p:cNvSpPr>
-          <p:nvPr>
-            <p:extLst>
-              <p:ext uri="{386F3935-93C4-4BCD-93E2-E3B085C9AB24}">
-                <p16:designElem xmlns:p16="http://schemas.microsoft.com/office/powerpoint/2015/main" val="1"/>
-              </p:ext>
-            </p:extLst>
-          </p:nvPr>
-        </p:nvSpPr>
-        <p:spPr bwMode="auto">
-          <a:xfrm>
-            <a:off x="409710" y="837744"/>
-            <a:ext cx="403225" cy="1705431"/>
-          </a:xfrm>
-          <a:custGeom>
-            <a:avLst/>
-            <a:gdLst>
-              <a:gd name="T0" fmla="*/ 254 w 254"/>
-              <a:gd name="T1" fmla="*/ 987 h 1109"/>
-              <a:gd name="T2" fmla="*/ 0 w 254"/>
-              <a:gd name="T3" fmla="*/ 1109 h 1109"/>
-              <a:gd name="T4" fmla="*/ 0 w 254"/>
-              <a:gd name="T5" fmla="*/ 119 h 1109"/>
-              <a:gd name="T6" fmla="*/ 254 w 254"/>
-              <a:gd name="T7" fmla="*/ 0 h 1109"/>
-              <a:gd name="T8" fmla="*/ 254 w 254"/>
-              <a:gd name="T9" fmla="*/ 987 h 1109"/>
-            </a:gdLst>
-            <a:ahLst/>
-            <a:cxnLst>
-              <a:cxn ang="0">
-                <a:pos x="T0" y="T1"/>
-              </a:cxn>
-              <a:cxn ang="0">
-                <a:pos x="T2" y="T3"/>
-              </a:cxn>
-              <a:cxn ang="0">
-                <a:pos x="T4" y="T5"/>
-              </a:cxn>
-              <a:cxn ang="0">
-                <a:pos x="T6" y="T7"/>
-              </a:cxn>
-              <a:cxn ang="0">
-                <a:pos x="T8" y="T9"/>
-              </a:cxn>
-            </a:cxnLst>
-            <a:rect l="0" t="0" r="r" b="b"/>
-            <a:pathLst>
-              <a:path w="254" h="1109">
-                <a:moveTo>
-                  <a:pt x="254" y="987"/>
-                </a:moveTo>
-                <a:lnTo>
-                  <a:pt x="0" y="1109"/>
-                </a:lnTo>
-                <a:lnTo>
-                  <a:pt x="0" y="119"/>
-                </a:lnTo>
-                <a:lnTo>
-                  <a:pt x="254" y="0"/>
-                </a:lnTo>
-                <a:lnTo>
-                  <a:pt x="254" y="987"/>
-                </a:lnTo>
-                <a:close/>
-              </a:path>
-            </a:pathLst>
-          </a:custGeom>
-          <a:solidFill>
-            <a:schemeClr val="accent1">
-              <a:lumMod val="75000"/>
-            </a:schemeClr>
-          </a:solidFill>
-          <a:ln>
-            <a:noFill/>
-          </a:ln>
-        </p:spPr>
-        <p:txBody>
-          <a:bodyPr vert="horz" wrap="square" lIns="91440" tIns="45720" rIns="91440" bIns="45720" numCol="1" anchor="t" anchorCtr="0" compatLnSpc="1">
-            <a:prstTxWarp prst="textNoShape">
-              <a:avLst/>
-            </a:prstTxWarp>
-          </a:bodyPr>
-          <a:lstStyle/>
-          <a:p>
-            <a:endParaRPr lang="en-US"/>
-          </a:p>
-        </p:txBody>
-      </p:sp>
-      <p:sp>
-        <p:nvSpPr>
-          <p:cNvPr id="14" name="Freeform 47">
-            <a:extLst>
-              <a:ext uri="{FF2B5EF4-FFF2-40B4-BE49-F238E27FC236}">
-                <a16:creationId xmlns:a16="http://schemas.microsoft.com/office/drawing/2014/main" id="{472E3A19-F5D5-48FC-BB9C-48C2F68F598B}"/>
-              </a:ext>
-              <a:ext uri="{C183D7F6-B498-43B3-948B-1728B52AA6E4}">
-                <adec:decorative xmlns:adec="http://schemas.microsoft.com/office/drawing/2017/decorative" val="1"/>
-              </a:ext>
-            </a:extLst>
-          </p:cNvPr>
-          <p:cNvSpPr>
-            <a:spLocks noGrp="1" noRot="1" noChangeAspect="1" noMove="1" noResize="1" noEditPoints="1" noAdjustHandles="1" noChangeArrowheads="1" noChangeShapeType="1" noTextEdit="1"/>
-          </p:cNvSpPr>
-          <p:nvPr>
-            <p:extLst>
-              <p:ext uri="{386F3935-93C4-4BCD-93E2-E3B085C9AB24}">
-                <p16:designElem xmlns:p16="http://schemas.microsoft.com/office/powerpoint/2015/main" val="1"/>
-              </p:ext>
-            </p:extLst>
-          </p:nvPr>
-        </p:nvSpPr>
-        <p:spPr bwMode="auto">
-          <a:xfrm>
-            <a:off x="644660" y="640894"/>
-            <a:ext cx="168275" cy="1713195"/>
-          </a:xfrm>
-          <a:custGeom>
-            <a:avLst/>
-            <a:gdLst>
-              <a:gd name="T0" fmla="*/ 106 w 106"/>
-              <a:gd name="T1" fmla="*/ 1114 h 1114"/>
-              <a:gd name="T2" fmla="*/ 0 w 106"/>
-              <a:gd name="T3" fmla="*/ 1005 h 1114"/>
-              <a:gd name="T4" fmla="*/ 0 w 106"/>
-              <a:gd name="T5" fmla="*/ 0 h 1114"/>
-              <a:gd name="T6" fmla="*/ 106 w 106"/>
-              <a:gd name="T7" fmla="*/ 110 h 1114"/>
-              <a:gd name="T8" fmla="*/ 106 w 106"/>
-              <a:gd name="T9" fmla="*/ 1114 h 1114"/>
-            </a:gdLst>
-            <a:ahLst/>
-            <a:cxnLst>
-              <a:cxn ang="0">
-                <a:pos x="T0" y="T1"/>
-              </a:cxn>
-              <a:cxn ang="0">
-                <a:pos x="T2" y="T3"/>
-              </a:cxn>
-              <a:cxn ang="0">
-                <a:pos x="T4" y="T5"/>
-              </a:cxn>
-              <a:cxn ang="0">
-                <a:pos x="T6" y="T7"/>
-              </a:cxn>
-              <a:cxn ang="0">
-                <a:pos x="T8" y="T9"/>
-              </a:cxn>
-            </a:cxnLst>
-            <a:rect l="0" t="0" r="r" b="b"/>
-            <a:pathLst>
-              <a:path w="106" h="1114">
-                <a:moveTo>
-                  <a:pt x="106" y="1114"/>
-                </a:moveTo>
-                <a:lnTo>
-                  <a:pt x="0" y="1005"/>
-                </a:lnTo>
-                <a:lnTo>
-                  <a:pt x="0" y="0"/>
-                </a:lnTo>
-                <a:lnTo>
-                  <a:pt x="106" y="110"/>
-                </a:lnTo>
-                <a:lnTo>
-                  <a:pt x="106" y="1114"/>
-                </a:lnTo>
-                <a:close/>
-              </a:path>
-            </a:pathLst>
-          </a:custGeom>
-          <a:solidFill>
-            <a:schemeClr val="accent1">
-              <a:lumMod val="50000"/>
-            </a:schemeClr>
-          </a:solidFill>
-          <a:ln>
-            <a:noFill/>
-          </a:ln>
-        </p:spPr>
-        <p:txBody>
-          <a:bodyPr vert="horz" wrap="square" lIns="91440" tIns="45720" rIns="91440" bIns="45720" numCol="1" anchor="t" anchorCtr="0" compatLnSpc="1">
-            <a:prstTxWarp prst="textNoShape">
-              <a:avLst/>
-            </a:prstTxWarp>
-          </a:bodyPr>
-          <a:lstStyle/>
-          <a:p>
-            <a:endParaRPr lang="en-US"/>
-          </a:p>
-        </p:txBody>
-      </p:sp>
-      <p:sp>
-        <p:nvSpPr>
-          <p:cNvPr id="16" name="Freeform 44">
-            <a:extLst>
-              <a:ext uri="{FF2B5EF4-FFF2-40B4-BE49-F238E27FC236}">
-                <a16:creationId xmlns:a16="http://schemas.microsoft.com/office/drawing/2014/main" id="{7A62E32F-BB65-43A8-8EB5-92346890E549}"/>
-              </a:ext>
-              <a:ext uri="{C183D7F6-B498-43B3-948B-1728B52AA6E4}">
-                <adec:decorative xmlns:adec="http://schemas.microsoft.com/office/drawing/2017/decorative" val="1"/>
-              </a:ext>
-            </a:extLst>
-          </p:cNvPr>
-          <p:cNvSpPr>
-            <a:spLocks noGrp="1" noRot="1" noChangeAspect="1" noMove="1" noResize="1" noEditPoints="1" noAdjustHandles="1" noChangeArrowheads="1" noChangeShapeType="1" noTextEdit="1"/>
-          </p:cNvSpPr>
-          <p:nvPr>
-            <p:extLst>
-              <p:ext uri="{386F3935-93C4-4BCD-93E2-E3B085C9AB24}">
-                <p16:designElem xmlns:p16="http://schemas.microsoft.com/office/powerpoint/2015/main" val="1"/>
-              </p:ext>
-            </p:extLst>
-          </p:nvPr>
-        </p:nvSpPr>
-        <p:spPr bwMode="auto">
-          <a:xfrm>
-            <a:off x="11223203" y="635716"/>
-            <a:ext cx="328612" cy="1742360"/>
-          </a:xfrm>
-          <a:custGeom>
-            <a:avLst/>
-            <a:gdLst>
-              <a:gd name="T0" fmla="*/ 207 w 207"/>
-              <a:gd name="T1" fmla="*/ 987 h 1114"/>
-              <a:gd name="T2" fmla="*/ 0 w 207"/>
-              <a:gd name="T3" fmla="*/ 1114 h 1114"/>
-              <a:gd name="T4" fmla="*/ 0 w 207"/>
-              <a:gd name="T5" fmla="*/ 127 h 1114"/>
-              <a:gd name="T6" fmla="*/ 207 w 207"/>
-              <a:gd name="T7" fmla="*/ 0 h 1114"/>
-              <a:gd name="T8" fmla="*/ 207 w 207"/>
-              <a:gd name="T9" fmla="*/ 987 h 1114"/>
-            </a:gdLst>
-            <a:ahLst/>
-            <a:cxnLst>
-              <a:cxn ang="0">
-                <a:pos x="T0" y="T1"/>
-              </a:cxn>
-              <a:cxn ang="0">
-                <a:pos x="T2" y="T3"/>
-              </a:cxn>
-              <a:cxn ang="0">
-                <a:pos x="T4" y="T5"/>
-              </a:cxn>
-              <a:cxn ang="0">
-                <a:pos x="T6" y="T7"/>
-              </a:cxn>
-              <a:cxn ang="0">
-                <a:pos x="T8" y="T9"/>
-              </a:cxn>
-            </a:cxnLst>
-            <a:rect l="0" t="0" r="r" b="b"/>
-            <a:pathLst>
-              <a:path w="207" h="1114">
-                <a:moveTo>
-                  <a:pt x="207" y="987"/>
-                </a:moveTo>
-                <a:lnTo>
-                  <a:pt x="0" y="1114"/>
-                </a:lnTo>
-                <a:lnTo>
-                  <a:pt x="0" y="127"/>
-                </a:lnTo>
-                <a:lnTo>
-                  <a:pt x="207" y="0"/>
-                </a:lnTo>
-                <a:lnTo>
-                  <a:pt x="207" y="987"/>
-                </a:lnTo>
-                <a:close/>
-              </a:path>
-            </a:pathLst>
-          </a:custGeom>
-          <a:solidFill>
-            <a:schemeClr val="accent1">
-              <a:lumMod val="50000"/>
-            </a:schemeClr>
-          </a:solidFill>
-          <a:ln>
-            <a:noFill/>
-          </a:ln>
-        </p:spPr>
-        <p:txBody>
-          <a:bodyPr vert="horz" wrap="square" lIns="91440" tIns="45720" rIns="91440" bIns="45720" numCol="1" anchor="t" anchorCtr="0" compatLnSpc="1">
-            <a:prstTxWarp prst="textNoShape">
-              <a:avLst/>
-            </a:prstTxWarp>
-          </a:bodyPr>
-          <a:lstStyle/>
-          <a:p>
-            <a:endParaRPr lang="en-US"/>
-          </a:p>
-        </p:txBody>
-      </p:sp>
-      <p:sp>
-        <p:nvSpPr>
-          <p:cNvPr id="18" name="Rectangle 17">
-            <a:extLst>
-              <a:ext uri="{FF2B5EF4-FFF2-40B4-BE49-F238E27FC236}">
-                <a16:creationId xmlns:a16="http://schemas.microsoft.com/office/drawing/2014/main" id="{14E91B64-9FCC-451E-AFB4-A827D6329367}"/>
-              </a:ext>
-              <a:ext uri="{C183D7F6-B498-43B3-948B-1728B52AA6E4}">
-                <adec:decorative xmlns:adec="http://schemas.microsoft.com/office/drawing/2017/decorative" val="1"/>
-              </a:ext>
-            </a:extLst>
-          </p:cNvPr>
-          <p:cNvSpPr>
-            <a:spLocks noGrp="1" noRot="1" noChangeAspect="1" noMove="1" noResize="1" noEditPoints="1" noAdjustHandles="1" noChangeArrowheads="1" noChangeShapeType="1" noTextEdit="1"/>
-          </p:cNvSpPr>
-          <p:nvPr>
-            <p:extLst>
-              <p:ext uri="{386F3935-93C4-4BCD-93E2-E3B085C9AB24}">
-                <p16:designElem xmlns:p16="http://schemas.microsoft.com/office/powerpoint/2015/main" val="1"/>
-              </p:ext>
-            </p:extLst>
-          </p:nvPr>
-        </p:nvSpPr>
-        <p:spPr bwMode="auto">
-          <a:xfrm>
-            <a:off x="644055" y="635715"/>
-            <a:ext cx="10907863" cy="1541457"/>
-          </a:xfrm>
-          <a:prstGeom prst="rect">
-            <a:avLst/>
-          </a:prstGeom>
-          <a:solidFill>
-            <a:schemeClr val="accent1"/>
-          </a:solidFill>
-          <a:ln>
-            <a:noFill/>
-          </a:ln>
-        </p:spPr>
-        <p:txBody>
-          <a:bodyPr vert="horz" wrap="square" lIns="91440" tIns="45720" rIns="91440" bIns="45720" numCol="1" anchor="t" anchorCtr="0" compatLnSpc="1">
-            <a:prstTxWarp prst="textNoShape">
-              <a:avLst/>
-            </a:prstTxWarp>
-          </a:bodyPr>
-          <a:lstStyle/>
-          <a:p>
-            <a:endParaRPr lang="en-US"/>
-          </a:p>
-        </p:txBody>
-      </p:sp>
-      <p:sp>
-        <p:nvSpPr>
-          <p:cNvPr id="2" name="Title 1">
-            <a:extLst>
-              <a:ext uri="{FF2B5EF4-FFF2-40B4-BE49-F238E27FC236}">
-                <a16:creationId xmlns:a16="http://schemas.microsoft.com/office/drawing/2014/main" id="{FA9BE8E5-3E48-4831-8C2C-A3045827B16C}"/>
-              </a:ext>
-            </a:extLst>
-          </p:cNvPr>
-          <p:cNvSpPr>
-            <a:spLocks noGrp="1"/>
-          </p:cNvSpPr>
-          <p:nvPr>
-            <p:ph type="title"/>
-          </p:nvPr>
-        </p:nvSpPr>
-        <p:spPr>
-          <a:xfrm>
-            <a:off x="958506" y="800392"/>
-            <a:ext cx="10264697" cy="1212102"/>
-          </a:xfrm>
-        </p:spPr>
-        <p:txBody>
-          <a:bodyPr>
-            <a:normAutofit/>
-          </a:bodyPr>
-          <a:lstStyle/>
-          <a:p>
-            <a:r>
-              <a:rPr lang="en-IE" sz="4000">
-                <a:solidFill>
-                  <a:srgbClr val="FFFFFF"/>
-                </a:solidFill>
-              </a:rPr>
-              <a:t>API: Good Practice1</a:t>
-            </a:r>
-          </a:p>
-        </p:txBody>
-      </p:sp>
-      <p:sp>
-        <p:nvSpPr>
-          <p:cNvPr id="3" name="Content Placeholder 2">
-            <a:extLst>
-              <a:ext uri="{FF2B5EF4-FFF2-40B4-BE49-F238E27FC236}">
-                <a16:creationId xmlns:a16="http://schemas.microsoft.com/office/drawing/2014/main" id="{9D161CB3-6666-4471-A7AA-46AE3F075F09}"/>
-              </a:ext>
-            </a:extLst>
-          </p:cNvPr>
-          <p:cNvSpPr>
-            <a:spLocks noGrp="1"/>
-          </p:cNvSpPr>
-          <p:nvPr>
-            <p:ph idx="1"/>
-          </p:nvPr>
-        </p:nvSpPr>
-        <p:spPr>
-          <a:xfrm>
-            <a:off x="1367624" y="2490436"/>
-            <a:ext cx="9708995" cy="3567173"/>
-          </a:xfrm>
-        </p:spPr>
-        <p:txBody>
-          <a:bodyPr anchor="ctr">
-            <a:normAutofit fontScale="77500" lnSpcReduction="20000"/>
-          </a:bodyPr>
-          <a:lstStyle/>
-          <a:p>
-            <a:r>
-              <a:rPr lang="en-IE" sz="2600" dirty="0"/>
-              <a:t>Always specify </a:t>
-            </a:r>
-            <a:r>
-              <a:rPr lang="en-IE" sz="2600" b="1" dirty="0"/>
-              <a:t>content-type</a:t>
-            </a:r>
-          </a:p>
-          <a:p>
-            <a:r>
-              <a:rPr lang="en-IE" sz="2600" dirty="0"/>
-              <a:t>Wrap your responses: </a:t>
-            </a:r>
-          </a:p>
-          <a:p>
-            <a:pPr lvl="1"/>
-            <a:r>
-              <a:rPr lang="en-IE" sz="2600" dirty="0"/>
-              <a:t>Use a standard model for responses to enable easier processing by clients</a:t>
-            </a:r>
-          </a:p>
-          <a:p>
-            <a:r>
-              <a:rPr lang="en-IE" sz="2600" dirty="0"/>
-              <a:t>Example: TMDB Movie API for </a:t>
-            </a:r>
-            <a:r>
-              <a:rPr lang="en-IE" sz="2600" dirty="0">
-                <a:highlight>
-                  <a:srgbClr val="C0C0C0"/>
-                </a:highlight>
-                <a:latin typeface="Arial" panose="020B0604020202020204" pitchFamily="34" charset="0"/>
-                <a:cs typeface="Arial" panose="020B0604020202020204" pitchFamily="34" charset="0"/>
-              </a:rPr>
-              <a:t>GET: /</a:t>
-            </a:r>
-            <a:r>
-              <a:rPr lang="en-IE" sz="2600" dirty="0" err="1">
-                <a:highlight>
-                  <a:srgbClr val="C0C0C0"/>
-                </a:highlight>
-                <a:latin typeface="Arial" panose="020B0604020202020204" pitchFamily="34" charset="0"/>
-                <a:cs typeface="Arial" panose="020B0604020202020204" pitchFamily="34" charset="0"/>
-              </a:rPr>
-              <a:t>movies?page</a:t>
-            </a:r>
-            <a:r>
-              <a:rPr lang="en-IE" sz="2600" dirty="0">
-                <a:highlight>
-                  <a:srgbClr val="C0C0C0"/>
-                </a:highlight>
-                <a:latin typeface="Arial" panose="020B0604020202020204" pitchFamily="34" charset="0"/>
-                <a:cs typeface="Arial" panose="020B0604020202020204" pitchFamily="34" charset="0"/>
-              </a:rPr>
-              <a:t>=1&amp;</a:t>
-            </a:r>
-            <a:r>
-              <a:rPr lang="en-IE" sz="2600" b="0" i="0" dirty="0">
-                <a:effectLst/>
-                <a:highlight>
-                  <a:srgbClr val="C0C0C0"/>
-                </a:highlight>
-                <a:latin typeface="Arial" panose="020B0604020202020204" pitchFamily="34" charset="0"/>
-                <a:cs typeface="Arial" panose="020B0604020202020204" pitchFamily="34" charset="0"/>
-              </a:rPr>
-              <a:t>api_key=c183b23922…</a:t>
-            </a:r>
-          </a:p>
-          <a:p>
-            <a:pPr lvl="1"/>
-            <a:r>
-              <a:rPr lang="en-GB" sz="2600" dirty="0">
-                <a:latin typeface="charter"/>
-              </a:rPr>
-              <a:t>U</a:t>
-            </a:r>
-            <a:r>
-              <a:rPr lang="en-GB" sz="2600" b="0" i="0" dirty="0">
-                <a:effectLst/>
-                <a:latin typeface="charter"/>
-              </a:rPr>
-              <a:t>ses a model that defines the page, total pages, total results and results.</a:t>
-            </a:r>
-            <a:endParaRPr lang="en-IE" sz="2600" b="0" i="0" dirty="0">
-              <a:effectLst/>
-              <a:latin typeface="Inter"/>
-            </a:endParaRPr>
-          </a:p>
-          <a:p>
-            <a:pPr marL="0" indent="0">
-              <a:buNone/>
-            </a:pPr>
-            <a:endParaRPr lang="en-IE" sz="800" dirty="0"/>
-          </a:p>
-          <a:p>
-            <a:pPr marL="0" indent="0">
-              <a:buNone/>
-            </a:pPr>
-            <a:r>
-              <a:rPr lang="en-IE" sz="800" b="1" dirty="0">
-                <a:effectLst/>
-                <a:latin typeface="Consolas" panose="020B0609020204030204" pitchFamily="49" charset="0"/>
-              </a:rPr>
-              <a:t>{</a:t>
-            </a:r>
-          </a:p>
-          <a:p>
-            <a:pPr marL="0" indent="0">
-              <a:buNone/>
-            </a:pPr>
-            <a:r>
-              <a:rPr lang="en-IE" sz="800" b="1" dirty="0">
-                <a:effectLst/>
-                <a:latin typeface="Consolas" panose="020B0609020204030204" pitchFamily="49" charset="0"/>
-              </a:rPr>
-              <a:t>    "page": 1,</a:t>
-            </a:r>
-          </a:p>
-          <a:p>
-            <a:pPr marL="0" indent="0">
-              <a:buNone/>
-            </a:pPr>
-            <a:r>
-              <a:rPr lang="en-IE" sz="800" b="1" dirty="0">
-                <a:effectLst/>
-                <a:latin typeface="Consolas" panose="020B0609020204030204" pitchFamily="49" charset="0"/>
-              </a:rPr>
-              <a:t>    "</a:t>
-            </a:r>
-            <a:r>
-              <a:rPr lang="en-IE" sz="800" b="1" dirty="0" err="1">
-                <a:effectLst/>
-                <a:latin typeface="Consolas" panose="020B0609020204030204" pitchFamily="49" charset="0"/>
-              </a:rPr>
-              <a:t>total_pages</a:t>
-            </a:r>
-            <a:r>
-              <a:rPr lang="en-IE" sz="800" b="1" dirty="0">
-                <a:effectLst/>
-                <a:latin typeface="Consolas" panose="020B0609020204030204" pitchFamily="49" charset="0"/>
-              </a:rPr>
-              <a:t>": 500,</a:t>
-            </a:r>
-          </a:p>
-          <a:p>
-            <a:pPr marL="0" indent="0">
-              <a:buNone/>
-            </a:pPr>
-            <a:r>
-              <a:rPr lang="en-IE" sz="800" b="1" dirty="0">
-                <a:effectLst/>
-                <a:latin typeface="Consolas" panose="020B0609020204030204" pitchFamily="49" charset="0"/>
-              </a:rPr>
-              <a:t>    "</a:t>
-            </a:r>
-            <a:r>
-              <a:rPr lang="en-IE" sz="800" b="1" dirty="0" err="1">
-                <a:effectLst/>
-                <a:latin typeface="Consolas" panose="020B0609020204030204" pitchFamily="49" charset="0"/>
-              </a:rPr>
-              <a:t>total_results</a:t>
-            </a:r>
-            <a:r>
-              <a:rPr lang="en-IE" sz="800" b="1" dirty="0">
-                <a:effectLst/>
-                <a:latin typeface="Consolas" panose="020B0609020204030204" pitchFamily="49" charset="0"/>
-              </a:rPr>
-              <a:t>": 10000,</a:t>
-            </a:r>
-          </a:p>
-          <a:p>
-            <a:pPr marL="0" indent="0">
-              <a:buNone/>
-            </a:pPr>
-            <a:r>
-              <a:rPr lang="en-IE" sz="800" b="1" dirty="0">
-                <a:effectLst/>
-                <a:latin typeface="Consolas" panose="020B0609020204030204" pitchFamily="49" charset="0"/>
-              </a:rPr>
-              <a:t>    "results": [</a:t>
-            </a:r>
-          </a:p>
-          <a:p>
-            <a:pPr marL="0" indent="0">
-              <a:buNone/>
-            </a:pPr>
-            <a:r>
-              <a:rPr lang="en-IE" sz="800" b="1" dirty="0">
-                <a:effectLst/>
-                <a:latin typeface="Consolas" panose="020B0609020204030204" pitchFamily="49" charset="0"/>
-              </a:rPr>
-              <a:t>        {</a:t>
-            </a:r>
-          </a:p>
-          <a:p>
-            <a:pPr marL="0" indent="0">
-              <a:buNone/>
-            </a:pPr>
-            <a:r>
-              <a:rPr lang="en-IE" sz="800" b="1" dirty="0">
-                <a:effectLst/>
-                <a:latin typeface="Consolas" panose="020B0609020204030204" pitchFamily="49" charset="0"/>
-              </a:rPr>
-              <a:t>            "adult": false,</a:t>
-            </a:r>
-          </a:p>
-          <a:p>
-            <a:pPr marL="0" indent="0">
-              <a:buNone/>
-            </a:pPr>
-            <a:r>
-              <a:rPr lang="en-IE" sz="800" b="1" dirty="0">
-                <a:effectLst/>
-                <a:latin typeface="Consolas" panose="020B0609020204030204" pitchFamily="49" charset="0"/>
-              </a:rPr>
-              <a:t>            "</a:t>
-            </a:r>
-            <a:r>
-              <a:rPr lang="en-IE" sz="800" b="1" dirty="0" err="1">
-                <a:effectLst/>
-                <a:latin typeface="Consolas" panose="020B0609020204030204" pitchFamily="49" charset="0"/>
-              </a:rPr>
-              <a:t>backdrop_path</a:t>
-            </a:r>
-            <a:r>
-              <a:rPr lang="en-IE" sz="800" b="1" dirty="0">
-                <a:effectLst/>
-                <a:latin typeface="Consolas" panose="020B0609020204030204" pitchFamily="49" charset="0"/>
-              </a:rPr>
-              <a:t>": "/hJuDvwzS0SPlsE6MNFOpznQltDZ.jpg",</a:t>
-            </a:r>
-          </a:p>
-          <a:p>
-            <a:pPr marL="0" indent="0">
-              <a:buNone/>
-            </a:pPr>
-            <a:r>
-              <a:rPr lang="en-IE" sz="800" b="1" dirty="0">
-                <a:effectLst/>
-                <a:latin typeface="Consolas" panose="020B0609020204030204" pitchFamily="49" charset="0"/>
-              </a:rPr>
-              <a:t>            "</a:t>
-            </a:r>
-            <a:r>
-              <a:rPr lang="en-IE" sz="800" b="1" dirty="0" err="1">
-                <a:effectLst/>
-                <a:latin typeface="Consolas" panose="020B0609020204030204" pitchFamily="49" charset="0"/>
-              </a:rPr>
-              <a:t>genre_ids</a:t>
-            </a:r>
-            <a:endParaRPr lang="en-IE" sz="800" b="1" dirty="0">
-              <a:effectLst/>
-              <a:latin typeface="Consolas" panose="020B0609020204030204" pitchFamily="49" charset="0"/>
-            </a:endParaRPr>
-          </a:p>
-          <a:p>
-            <a:pPr marL="0" indent="0">
-              <a:buNone/>
-            </a:pPr>
-            <a:endParaRPr lang="en-IE" sz="800" dirty="0"/>
-          </a:p>
-        </p:txBody>
-      </p:sp>
-    </p:spTree>
-    <p:extLst>
-      <p:ext uri="{BB962C8B-B14F-4D97-AF65-F5344CB8AC3E}">
-        <p14:creationId xmlns:p14="http://schemas.microsoft.com/office/powerpoint/2010/main" val="3584386387"/>
-      </p:ext>
-    </p:extLst>
-  </p:cSld>
-  <p:clrMapOvr>
-    <a:masterClrMapping/>
-  </p:clrMapOvr>
-</p:sld>
-</file>
-
-<file path=ppt/slides/slide27.xml><?xml version="1.0" encoding="utf-8"?>
-<p:sld xmlns:a="http://schemas.openxmlformats.org/drawingml/2006/main" xmlns:r="http://schemas.openxmlformats.org/officeDocument/2006/relationships" xmlns:p="http://schemas.openxmlformats.org/presentationml/2006/main">
-  <p:cSld>
-    <p:bg>
-      <p:bgPr>
-        <a:solidFill>
-          <a:schemeClr val="bg1"/>
-        </a:solidFill>
-        <a:effectLst/>
-      </p:bgPr>
-    </p:bg>
-    <p:spTree>
-      <p:nvGrpSpPr>
-        <p:cNvPr id="1" name=""/>
-        <p:cNvGrpSpPr/>
-        <p:nvPr/>
-      </p:nvGrpSpPr>
-      <p:grpSpPr>
-        <a:xfrm>
-          <a:off x="0" y="0"/>
-          <a:ext cx="0" cy="0"/>
-          <a:chOff x="0" y="0"/>
-          <a:chExt cx="0" cy="0"/>
-        </a:xfrm>
-      </p:grpSpPr>
-      <p:sp useBgFill="1">
-        <p:nvSpPr>
-          <p:cNvPr id="10" name="Rectangle 9">
-            <a:extLst>
-              <a:ext uri="{FF2B5EF4-FFF2-40B4-BE49-F238E27FC236}">
-                <a16:creationId xmlns:a16="http://schemas.microsoft.com/office/drawing/2014/main" id="{F4C0B10B-D2C4-4A54-AFAD-3D27DF88BB37}"/>
-              </a:ext>
-              <a:ext uri="{C183D7F6-B498-43B3-948B-1728B52AA6E4}">
-                <adec:decorative xmlns:adec="http://schemas.microsoft.com/office/drawing/2017/decorative" val="1"/>
-              </a:ext>
-            </a:extLst>
-          </p:cNvPr>
-          <p:cNvSpPr>
-            <a:spLocks noGrp="1" noRot="1" noChangeAspect="1" noMove="1" noResize="1" noEditPoints="1" noAdjustHandles="1" noChangeArrowheads="1" noChangeShapeType="1" noTextEdit="1"/>
-          </p:cNvSpPr>
-          <p:nvPr>
-            <p:extLst>
-              <p:ext uri="{386F3935-93C4-4BCD-93E2-E3B085C9AB24}">
-                <p16:designElem xmlns:p16="http://schemas.microsoft.com/office/powerpoint/2015/main" val="1"/>
-              </p:ext>
-            </p:extLst>
-          </p:nvPr>
-        </p:nvSpPr>
-        <p:spPr>
-          <a:xfrm>
-            <a:off x="0" y="0"/>
-            <a:ext cx="12188952" cy="6858000"/>
-          </a:xfrm>
-          <a:prstGeom prst="rect">
-            <a:avLst/>
-          </a:prstGeom>
-          <a:ln>
-            <a:noFill/>
-          </a:ln>
-        </p:spPr>
-        <p:style>
-          <a:lnRef idx="2">
-            <a:schemeClr val="accent1">
-              <a:shade val="50000"/>
-            </a:schemeClr>
-          </a:lnRef>
-          <a:fillRef idx="1">
-            <a:schemeClr val="accent1"/>
-          </a:fillRef>
-          <a:effectRef idx="0">
-            <a:schemeClr val="accent1"/>
-          </a:effectRef>
-          <a:fontRef idx="minor">
-            <a:schemeClr val="lt1"/>
-          </a:fontRef>
-        </p:style>
-        <p:txBody>
-          <a:bodyPr rtlCol="0" anchor="ctr"/>
-          <a:lstStyle/>
-          <a:p>
-            <a:pPr algn="ctr"/>
-            <a:endParaRPr lang="en-US"/>
-          </a:p>
-        </p:txBody>
-      </p:sp>
-      <p:grpSp>
-        <p:nvGrpSpPr>
-          <p:cNvPr id="12" name="Group 11">
-            <a:extLst>
-              <a:ext uri="{FF2B5EF4-FFF2-40B4-BE49-F238E27FC236}">
-                <a16:creationId xmlns:a16="http://schemas.microsoft.com/office/drawing/2014/main" id="{B6BADB90-C74B-40D6-86DC-503F65FCE8DC}"/>
-              </a:ext>
-              <a:ext uri="{C183D7F6-B498-43B3-948B-1728B52AA6E4}">
-                <adec:decorative xmlns:adec="http://schemas.microsoft.com/office/drawing/2017/decorative" val="1"/>
-              </a:ext>
-            </a:extLst>
-          </p:cNvPr>
-          <p:cNvGrpSpPr>
-            <a:grpSpLocks noGrp="1" noUngrp="1" noRot="1" noChangeAspect="1" noMove="1" noResize="1"/>
-          </p:cNvGrpSpPr>
-          <p:nvPr>
-            <p:extLst>
-              <p:ext uri="{386F3935-93C4-4BCD-93E2-E3B085C9AB24}">
-                <p16:designElem xmlns:p16="http://schemas.microsoft.com/office/powerpoint/2015/main" val="1"/>
-              </p:ext>
-            </p:extLst>
-          </p:nvPr>
-        </p:nvGrpSpPr>
-        <p:grpSpPr>
-          <a:xfrm>
-            <a:off x="409710" y="635715"/>
-            <a:ext cx="11142208" cy="2482136"/>
-            <a:chOff x="409710" y="635715"/>
-            <a:chExt cx="11142208" cy="2482136"/>
-          </a:xfrm>
-        </p:grpSpPr>
-        <p:sp>
-          <p:nvSpPr>
-            <p:cNvPr id="13" name="Freeform 44">
-              <a:extLst>
-                <a:ext uri="{FF2B5EF4-FFF2-40B4-BE49-F238E27FC236}">
-                  <a16:creationId xmlns:a16="http://schemas.microsoft.com/office/drawing/2014/main" id="{6559431D-1886-4AE0-9B87-9AD2ECAB8439}"/>
-                </a:ext>
-                <a:ext uri="{C183D7F6-B498-43B3-948B-1728B52AA6E4}">
-                  <adec:decorative xmlns:adec="http://schemas.microsoft.com/office/drawing/2017/decorative" val="1"/>
-                </a:ext>
-              </a:extLst>
-            </p:cNvPr>
-            <p:cNvSpPr>
-              <a:spLocks/>
-            </p:cNvSpPr>
-            <p:nvPr>
-              <p:extLst>
-                <p:ext uri="{386F3935-93C4-4BCD-93E2-E3B085C9AB24}">
-                  <p16:designElem xmlns:p16="http://schemas.microsoft.com/office/powerpoint/2015/main" val="1"/>
-                </p:ext>
-              </p:extLst>
-            </p:nvPr>
-          </p:nvSpPr>
-          <p:spPr bwMode="auto">
-            <a:xfrm>
-              <a:off x="11223203" y="635716"/>
-              <a:ext cx="328612" cy="1742360"/>
-            </a:xfrm>
-            <a:custGeom>
-              <a:avLst/>
-              <a:gdLst>
-                <a:gd name="T0" fmla="*/ 207 w 207"/>
-                <a:gd name="T1" fmla="*/ 987 h 1114"/>
-                <a:gd name="T2" fmla="*/ 0 w 207"/>
-                <a:gd name="T3" fmla="*/ 1114 h 1114"/>
-                <a:gd name="T4" fmla="*/ 0 w 207"/>
-                <a:gd name="T5" fmla="*/ 127 h 1114"/>
-                <a:gd name="T6" fmla="*/ 207 w 207"/>
-                <a:gd name="T7" fmla="*/ 0 h 1114"/>
-                <a:gd name="T8" fmla="*/ 207 w 207"/>
-                <a:gd name="T9" fmla="*/ 987 h 1114"/>
-              </a:gdLst>
-              <a:ahLst/>
-              <a:cxnLst>
-                <a:cxn ang="0">
-                  <a:pos x="T0" y="T1"/>
-                </a:cxn>
-                <a:cxn ang="0">
-                  <a:pos x="T2" y="T3"/>
-                </a:cxn>
-                <a:cxn ang="0">
-                  <a:pos x="T4" y="T5"/>
-                </a:cxn>
-                <a:cxn ang="0">
-                  <a:pos x="T6" y="T7"/>
-                </a:cxn>
-                <a:cxn ang="0">
-                  <a:pos x="T8" y="T9"/>
-                </a:cxn>
-              </a:cxnLst>
-              <a:rect l="0" t="0" r="r" b="b"/>
-              <a:pathLst>
-                <a:path w="207" h="1114">
-                  <a:moveTo>
-                    <a:pt x="207" y="987"/>
-                  </a:moveTo>
-                  <a:lnTo>
-                    <a:pt x="0" y="1114"/>
-                  </a:lnTo>
-                  <a:lnTo>
-                    <a:pt x="0" y="127"/>
-                  </a:lnTo>
-                  <a:lnTo>
-                    <a:pt x="207" y="0"/>
-                  </a:lnTo>
-                  <a:lnTo>
-                    <a:pt x="207" y="987"/>
-                  </a:lnTo>
-                  <a:close/>
-                </a:path>
-              </a:pathLst>
-            </a:custGeom>
-            <a:solidFill>
-              <a:schemeClr val="accent1">
-                <a:lumMod val="50000"/>
-              </a:schemeClr>
-            </a:solidFill>
-            <a:ln>
-              <a:noFill/>
-            </a:ln>
-          </p:spPr>
-          <p:txBody>
-            <a:bodyPr vert="horz" wrap="square" lIns="91440" tIns="45720" rIns="91440" bIns="45720" numCol="1" anchor="t" anchorCtr="0" compatLnSpc="1">
-              <a:prstTxWarp prst="textNoShape">
-                <a:avLst/>
-              </a:prstTxWarp>
-            </a:bodyPr>
-            <a:lstStyle/>
-            <a:p>
-              <a:endParaRPr lang="en-US"/>
-            </a:p>
-          </p:txBody>
-        </p:sp>
-        <p:sp>
-          <p:nvSpPr>
-            <p:cNvPr id="14" name="Freeform 45">
-              <a:extLst>
-                <a:ext uri="{FF2B5EF4-FFF2-40B4-BE49-F238E27FC236}">
-                  <a16:creationId xmlns:a16="http://schemas.microsoft.com/office/drawing/2014/main" id="{373850A5-B04A-4FCD-9E73-EE322167FB31}"/>
-                </a:ext>
-                <a:ext uri="{C183D7F6-B498-43B3-948B-1728B52AA6E4}">
-                  <adec:decorative xmlns:adec="http://schemas.microsoft.com/office/drawing/2017/decorative" val="1"/>
-                </a:ext>
-              </a:extLst>
-            </p:cNvPr>
-            <p:cNvSpPr>
-              <a:spLocks/>
-            </p:cNvSpPr>
-            <p:nvPr>
-              <p:extLst>
-                <p:ext uri="{386F3935-93C4-4BCD-93E2-E3B085C9AB24}">
-                  <p16:designElem xmlns:p16="http://schemas.microsoft.com/office/powerpoint/2015/main" val="1"/>
-                </p:ext>
-              </p:extLst>
-            </p:nvPr>
-          </p:nvSpPr>
-          <p:spPr bwMode="auto">
-            <a:xfrm>
-              <a:off x="409710" y="1022350"/>
-              <a:ext cx="709612" cy="2095501"/>
-            </a:xfrm>
-            <a:custGeom>
-              <a:avLst/>
-              <a:gdLst>
-                <a:gd name="T0" fmla="*/ 447 w 447"/>
-                <a:gd name="T1" fmla="*/ 1363 h 1363"/>
-                <a:gd name="T2" fmla="*/ 0 w 447"/>
-                <a:gd name="T3" fmla="*/ 987 h 1363"/>
-                <a:gd name="T4" fmla="*/ 0 w 447"/>
-                <a:gd name="T5" fmla="*/ 0 h 1363"/>
-                <a:gd name="T6" fmla="*/ 447 w 447"/>
-                <a:gd name="T7" fmla="*/ 376 h 1363"/>
-                <a:gd name="T8" fmla="*/ 447 w 447"/>
-                <a:gd name="T9" fmla="*/ 1363 h 1363"/>
-              </a:gdLst>
-              <a:ahLst/>
-              <a:cxnLst>
-                <a:cxn ang="0">
-                  <a:pos x="T0" y="T1"/>
-                </a:cxn>
-                <a:cxn ang="0">
-                  <a:pos x="T2" y="T3"/>
-                </a:cxn>
-                <a:cxn ang="0">
-                  <a:pos x="T4" y="T5"/>
-                </a:cxn>
-                <a:cxn ang="0">
-                  <a:pos x="T6" y="T7"/>
-                </a:cxn>
-                <a:cxn ang="0">
-                  <a:pos x="T8" y="T9"/>
-                </a:cxn>
-              </a:cxnLst>
-              <a:rect l="0" t="0" r="r" b="b"/>
-              <a:pathLst>
-                <a:path w="447" h="1363">
-                  <a:moveTo>
-                    <a:pt x="447" y="1363"/>
-                  </a:moveTo>
-                  <a:lnTo>
-                    <a:pt x="0" y="987"/>
-                  </a:lnTo>
-                  <a:lnTo>
-                    <a:pt x="0" y="0"/>
-                  </a:lnTo>
-                  <a:lnTo>
-                    <a:pt x="447" y="376"/>
-                  </a:lnTo>
-                  <a:lnTo>
-                    <a:pt x="447" y="1363"/>
-                  </a:lnTo>
-                  <a:close/>
-                </a:path>
-              </a:pathLst>
-            </a:custGeom>
-            <a:solidFill>
-              <a:schemeClr val="accent1">
-                <a:lumMod val="50000"/>
-              </a:schemeClr>
-            </a:solidFill>
-            <a:ln>
-              <a:noFill/>
-            </a:ln>
-          </p:spPr>
-          <p:txBody>
-            <a:bodyPr vert="horz" wrap="square" lIns="91440" tIns="45720" rIns="91440" bIns="45720" numCol="1" anchor="t" anchorCtr="0" compatLnSpc="1">
-              <a:prstTxWarp prst="textNoShape">
-                <a:avLst/>
-              </a:prstTxWarp>
-            </a:bodyPr>
-            <a:lstStyle/>
-            <a:p>
-              <a:endParaRPr lang="en-US"/>
-            </a:p>
-          </p:txBody>
-        </p:sp>
-        <p:sp>
-          <p:nvSpPr>
-            <p:cNvPr id="15" name="Freeform 46">
-              <a:extLst>
-                <a:ext uri="{FF2B5EF4-FFF2-40B4-BE49-F238E27FC236}">
-                  <a16:creationId xmlns:a16="http://schemas.microsoft.com/office/drawing/2014/main" id="{82C18C67-80FA-4738-AA53-0AF2419F98E0}"/>
-                </a:ext>
-                <a:ext uri="{C183D7F6-B498-43B3-948B-1728B52AA6E4}">
-                  <adec:decorative xmlns:adec="http://schemas.microsoft.com/office/drawing/2017/decorative" val="1"/>
-                </a:ext>
-              </a:extLst>
-            </p:cNvPr>
-            <p:cNvSpPr>
-              <a:spLocks/>
-            </p:cNvSpPr>
-            <p:nvPr>
-              <p:extLst>
-                <p:ext uri="{386F3935-93C4-4BCD-93E2-E3B085C9AB24}">
-                  <p16:designElem xmlns:p16="http://schemas.microsoft.com/office/powerpoint/2015/main" val="1"/>
-                </p:ext>
-              </p:extLst>
-            </p:nvPr>
-          </p:nvSpPr>
-          <p:spPr bwMode="auto">
-            <a:xfrm>
-              <a:off x="409710" y="837744"/>
-              <a:ext cx="403225" cy="1705431"/>
-            </a:xfrm>
-            <a:custGeom>
-              <a:avLst/>
-              <a:gdLst>
-                <a:gd name="T0" fmla="*/ 254 w 254"/>
-                <a:gd name="T1" fmla="*/ 987 h 1109"/>
-                <a:gd name="T2" fmla="*/ 0 w 254"/>
-                <a:gd name="T3" fmla="*/ 1109 h 1109"/>
-                <a:gd name="T4" fmla="*/ 0 w 254"/>
-                <a:gd name="T5" fmla="*/ 119 h 1109"/>
-                <a:gd name="T6" fmla="*/ 254 w 254"/>
-                <a:gd name="T7" fmla="*/ 0 h 1109"/>
-                <a:gd name="T8" fmla="*/ 254 w 254"/>
-                <a:gd name="T9" fmla="*/ 987 h 1109"/>
-              </a:gdLst>
-              <a:ahLst/>
-              <a:cxnLst>
-                <a:cxn ang="0">
-                  <a:pos x="T0" y="T1"/>
-                </a:cxn>
-                <a:cxn ang="0">
-                  <a:pos x="T2" y="T3"/>
-                </a:cxn>
-                <a:cxn ang="0">
-                  <a:pos x="T4" y="T5"/>
-                </a:cxn>
-                <a:cxn ang="0">
-                  <a:pos x="T6" y="T7"/>
-                </a:cxn>
-                <a:cxn ang="0">
-                  <a:pos x="T8" y="T9"/>
-                </a:cxn>
-              </a:cxnLst>
-              <a:rect l="0" t="0" r="r" b="b"/>
-              <a:pathLst>
-                <a:path w="254" h="1109">
-                  <a:moveTo>
-                    <a:pt x="254" y="987"/>
-                  </a:moveTo>
-                  <a:lnTo>
-                    <a:pt x="0" y="1109"/>
-                  </a:lnTo>
-                  <a:lnTo>
-                    <a:pt x="0" y="119"/>
-                  </a:lnTo>
-                  <a:lnTo>
-                    <a:pt x="254" y="0"/>
-                  </a:lnTo>
-                  <a:lnTo>
-                    <a:pt x="254" y="987"/>
-                  </a:lnTo>
-                  <a:close/>
-                </a:path>
-              </a:pathLst>
-            </a:custGeom>
-            <a:solidFill>
-              <a:schemeClr val="accent1">
-                <a:lumMod val="75000"/>
-              </a:schemeClr>
-            </a:solidFill>
-            <a:ln>
-              <a:noFill/>
-            </a:ln>
-          </p:spPr>
-          <p:txBody>
-            <a:bodyPr vert="horz" wrap="square" lIns="91440" tIns="45720" rIns="91440" bIns="45720" numCol="1" anchor="t" anchorCtr="0" compatLnSpc="1">
-              <a:prstTxWarp prst="textNoShape">
-                <a:avLst/>
-              </a:prstTxWarp>
-            </a:bodyPr>
-            <a:lstStyle/>
-            <a:p>
-              <a:endParaRPr lang="en-US"/>
-            </a:p>
-          </p:txBody>
-        </p:sp>
-        <p:sp>
-          <p:nvSpPr>
-            <p:cNvPr id="16" name="Freeform 47">
-              <a:extLst>
-                <a:ext uri="{FF2B5EF4-FFF2-40B4-BE49-F238E27FC236}">
-                  <a16:creationId xmlns:a16="http://schemas.microsoft.com/office/drawing/2014/main" id="{48543B1A-8BF5-4C63-8404-41B2EA70B33E}"/>
-                </a:ext>
-                <a:ext uri="{C183D7F6-B498-43B3-948B-1728B52AA6E4}">
-                  <adec:decorative xmlns:adec="http://schemas.microsoft.com/office/drawing/2017/decorative" val="1"/>
-                </a:ext>
-              </a:extLst>
-            </p:cNvPr>
-            <p:cNvSpPr>
-              <a:spLocks/>
-            </p:cNvSpPr>
-            <p:nvPr>
-              <p:extLst>
-                <p:ext uri="{386F3935-93C4-4BCD-93E2-E3B085C9AB24}">
-                  <p16:designElem xmlns:p16="http://schemas.microsoft.com/office/powerpoint/2015/main" val="1"/>
-                </p:ext>
-              </p:extLst>
-            </p:nvPr>
-          </p:nvSpPr>
-          <p:spPr bwMode="auto">
-            <a:xfrm>
-              <a:off x="644660" y="640894"/>
-              <a:ext cx="168275" cy="1713195"/>
-            </a:xfrm>
-            <a:custGeom>
-              <a:avLst/>
-              <a:gdLst>
-                <a:gd name="T0" fmla="*/ 106 w 106"/>
-                <a:gd name="T1" fmla="*/ 1114 h 1114"/>
-                <a:gd name="T2" fmla="*/ 0 w 106"/>
-                <a:gd name="T3" fmla="*/ 1005 h 1114"/>
-                <a:gd name="T4" fmla="*/ 0 w 106"/>
-                <a:gd name="T5" fmla="*/ 0 h 1114"/>
-                <a:gd name="T6" fmla="*/ 106 w 106"/>
-                <a:gd name="T7" fmla="*/ 110 h 1114"/>
-                <a:gd name="T8" fmla="*/ 106 w 106"/>
-                <a:gd name="T9" fmla="*/ 1114 h 1114"/>
-              </a:gdLst>
-              <a:ahLst/>
-              <a:cxnLst>
-                <a:cxn ang="0">
-                  <a:pos x="T0" y="T1"/>
-                </a:cxn>
-                <a:cxn ang="0">
-                  <a:pos x="T2" y="T3"/>
-                </a:cxn>
-                <a:cxn ang="0">
-                  <a:pos x="T4" y="T5"/>
-                </a:cxn>
-                <a:cxn ang="0">
-                  <a:pos x="T6" y="T7"/>
-                </a:cxn>
-                <a:cxn ang="0">
-                  <a:pos x="T8" y="T9"/>
-                </a:cxn>
-              </a:cxnLst>
-              <a:rect l="0" t="0" r="r" b="b"/>
-              <a:pathLst>
-                <a:path w="106" h="1114">
-                  <a:moveTo>
-                    <a:pt x="106" y="1114"/>
-                  </a:moveTo>
-                  <a:lnTo>
-                    <a:pt x="0" y="1005"/>
-                  </a:lnTo>
-                  <a:lnTo>
-                    <a:pt x="0" y="0"/>
-                  </a:lnTo>
-                  <a:lnTo>
-                    <a:pt x="106" y="110"/>
-                  </a:lnTo>
-                  <a:lnTo>
-                    <a:pt x="106" y="1114"/>
-                  </a:lnTo>
-                  <a:close/>
-                </a:path>
-              </a:pathLst>
-            </a:custGeom>
-            <a:solidFill>
-              <a:schemeClr val="accent1">
-                <a:lumMod val="50000"/>
-              </a:schemeClr>
-            </a:solidFill>
-            <a:ln>
-              <a:noFill/>
-            </a:ln>
-          </p:spPr>
-          <p:txBody>
-            <a:bodyPr vert="horz" wrap="square" lIns="91440" tIns="45720" rIns="91440" bIns="45720" numCol="1" anchor="t" anchorCtr="0" compatLnSpc="1">
-              <a:prstTxWarp prst="textNoShape">
-                <a:avLst/>
-              </a:prstTxWarp>
-            </a:bodyPr>
-            <a:lstStyle/>
-            <a:p>
-              <a:endParaRPr lang="en-US"/>
-            </a:p>
-          </p:txBody>
-        </p:sp>
-        <p:sp>
-          <p:nvSpPr>
-            <p:cNvPr id="17" name="Rectangle 16">
-              <a:extLst>
-                <a:ext uri="{FF2B5EF4-FFF2-40B4-BE49-F238E27FC236}">
-                  <a16:creationId xmlns:a16="http://schemas.microsoft.com/office/drawing/2014/main" id="{92DF5096-E051-498C-A3ED-CBA77A813AAC}"/>
-                </a:ext>
-                <a:ext uri="{C183D7F6-B498-43B3-948B-1728B52AA6E4}">
-                  <adec:decorative xmlns:adec="http://schemas.microsoft.com/office/drawing/2017/decorative" val="1"/>
-                </a:ext>
-              </a:extLst>
-            </p:cNvPr>
-            <p:cNvSpPr>
-              <a:spLocks noChangeArrowheads="1"/>
-            </p:cNvSpPr>
-            <p:nvPr>
-              <p:extLst>
-                <p:ext uri="{386F3935-93C4-4BCD-93E2-E3B085C9AB24}">
-                  <p16:designElem xmlns:p16="http://schemas.microsoft.com/office/powerpoint/2015/main" val="1"/>
-                </p:ext>
-              </p:extLst>
-            </p:nvPr>
-          </p:nvSpPr>
-          <p:spPr bwMode="auto">
-            <a:xfrm>
-              <a:off x="644055" y="635715"/>
-              <a:ext cx="10907863" cy="1541457"/>
-            </a:xfrm>
-            <a:prstGeom prst="rect">
-              <a:avLst/>
-            </a:prstGeom>
-            <a:solidFill>
-              <a:schemeClr val="accent1"/>
-            </a:solidFill>
-            <a:ln>
-              <a:noFill/>
-            </a:ln>
-          </p:spPr>
-          <p:txBody>
-            <a:bodyPr vert="horz" wrap="square" lIns="91440" tIns="45720" rIns="91440" bIns="45720" numCol="1" anchor="t" anchorCtr="0" compatLnSpc="1">
-              <a:prstTxWarp prst="textNoShape">
-                <a:avLst/>
-              </a:prstTxWarp>
-            </a:bodyPr>
-            <a:lstStyle/>
-            <a:p>
-              <a:endParaRPr lang="en-US"/>
-            </a:p>
-          </p:txBody>
-        </p:sp>
-      </p:grpSp>
-      <p:sp>
-        <p:nvSpPr>
-          <p:cNvPr id="2" name="Title 1">
-            <a:extLst>
-              <a:ext uri="{FF2B5EF4-FFF2-40B4-BE49-F238E27FC236}">
-                <a16:creationId xmlns:a16="http://schemas.microsoft.com/office/drawing/2014/main" id="{85DD5E17-AC31-41FD-8BBB-E8BBC32C3A61}"/>
-              </a:ext>
-            </a:extLst>
-          </p:cNvPr>
-          <p:cNvSpPr>
-            <a:spLocks noGrp="1"/>
-          </p:cNvSpPr>
-          <p:nvPr>
-            <p:ph type="title"/>
-          </p:nvPr>
-        </p:nvSpPr>
-        <p:spPr>
-          <a:xfrm>
-            <a:off x="1047280" y="759805"/>
-            <a:ext cx="10306520" cy="1325563"/>
-          </a:xfrm>
-        </p:spPr>
-        <p:txBody>
-          <a:bodyPr>
-            <a:normAutofit/>
-          </a:bodyPr>
-          <a:lstStyle/>
-          <a:p>
-            <a:r>
-              <a:rPr lang="en-IE" sz="4000">
-                <a:solidFill>
-                  <a:srgbClr val="FFFFFF"/>
-                </a:solidFill>
-              </a:rPr>
-              <a:t>API: Good Practice2</a:t>
-            </a:r>
-          </a:p>
-        </p:txBody>
-      </p:sp>
-      <p:sp>
-        <p:nvSpPr>
-          <p:cNvPr id="3" name="Content Placeholder 2">
-            <a:extLst>
-              <a:ext uri="{FF2B5EF4-FFF2-40B4-BE49-F238E27FC236}">
-                <a16:creationId xmlns:a16="http://schemas.microsoft.com/office/drawing/2014/main" id="{41D01776-0A27-42D3-AEB3-3C5B04DBA899}"/>
-              </a:ext>
-            </a:extLst>
-          </p:cNvPr>
-          <p:cNvSpPr>
-            <a:spLocks noGrp="1"/>
-          </p:cNvSpPr>
-          <p:nvPr>
-            <p:ph idx="1"/>
-          </p:nvPr>
-        </p:nvSpPr>
-        <p:spPr>
-          <a:xfrm>
-            <a:off x="1424904" y="2494450"/>
-            <a:ext cx="4053545" cy="3563159"/>
-          </a:xfrm>
-        </p:spPr>
-        <p:txBody>
-          <a:bodyPr>
-            <a:normAutofit/>
-          </a:bodyPr>
-          <a:lstStyle/>
-          <a:p>
-            <a:r>
-              <a:rPr lang="en-IE" sz="2400" b="1" dirty="0"/>
-              <a:t>HTTP Status Codes </a:t>
-            </a:r>
-            <a:r>
-              <a:rPr lang="en-IE" sz="2400" dirty="0"/>
-              <a:t>are important</a:t>
-            </a:r>
-          </a:p>
-          <a:p>
-            <a:r>
-              <a:rPr lang="en-GB" sz="2400" b="0" i="0" dirty="0">
-                <a:effectLst/>
-                <a:latin typeface="charter"/>
-              </a:rPr>
-              <a:t>HTTP client rely on correct use the standard HTTP status codes ranges correctly.</a:t>
-            </a:r>
-          </a:p>
-          <a:p>
-            <a:pPr marL="0" indent="0">
-              <a:buNone/>
-            </a:pPr>
-            <a:r>
-              <a:rPr lang="en-GB" sz="2400" b="0" i="0" dirty="0">
-                <a:effectLst/>
-                <a:latin typeface="charter"/>
-              </a:rPr>
-              <a:t> </a:t>
-            </a:r>
-          </a:p>
-          <a:p>
-            <a:endParaRPr lang="en-IE" sz="2400" dirty="0"/>
-          </a:p>
-        </p:txBody>
-      </p:sp>
-      <p:pic>
-        <p:nvPicPr>
-          <p:cNvPr id="5" name="Picture 4">
-            <a:extLst>
-              <a:ext uri="{FF2B5EF4-FFF2-40B4-BE49-F238E27FC236}">
-                <a16:creationId xmlns:a16="http://schemas.microsoft.com/office/drawing/2014/main" id="{3DBB7C63-E166-45E1-BEFA-900E42B18CBD}"/>
-              </a:ext>
-            </a:extLst>
-          </p:cNvPr>
-          <p:cNvPicPr>
-            <a:picLocks noChangeAspect="1"/>
-          </p:cNvPicPr>
-          <p:nvPr/>
-        </p:nvPicPr>
-        <p:blipFill rotWithShape="1">
-          <a:blip r:embed="rId2"/>
-          <a:srcRect l="742" r="72304"/>
-          <a:stretch/>
-        </p:blipFill>
-        <p:spPr>
-          <a:xfrm>
-            <a:off x="6098892" y="2492376"/>
-            <a:ext cx="4802404" cy="3563372"/>
-          </a:xfrm>
-          <a:prstGeom prst="rect">
-            <a:avLst/>
-          </a:prstGeom>
-        </p:spPr>
-      </p:pic>
-    </p:spTree>
-    <p:extLst>
-      <p:ext uri="{BB962C8B-B14F-4D97-AF65-F5344CB8AC3E}">
-        <p14:creationId xmlns:p14="http://schemas.microsoft.com/office/powerpoint/2010/main" val="90780818"/>
       </p:ext>
     </p:extLst>
   </p:cSld>
@@ -22328,7 +22330,7 @@
         </p:spPr>
         <p:txBody>
           <a:bodyPr>
-            <a:normAutofit/>
+            <a:normAutofit lnSpcReduction="10000"/>
           </a:bodyPr>
           <a:lstStyle/>
           <a:p>
@@ -22383,8 +22385,8 @@
           <a:p>
             <a:pPr lvl="1"/>
             <a:r>
-              <a:rPr lang="en-IE" sz="1500" dirty="0"/>
-              <a:t>Expose application functionality via the web</a:t>
+              <a:rPr lang="en-GB" sz="1500" b="1" dirty="0"/>
+              <a:t>allow applications to access data and interact with external software components</a:t>
             </a:r>
           </a:p>
           <a:p>
@@ -26214,21 +26216,6 @@
 </file>
 
 <file path=customXml/item1.xml><?xml version="1.0" encoding="utf-8"?>
-<?mso-contentType ?>
-<FormTemplates xmlns="http://schemas.microsoft.com/sharepoint/v3/contenttype/forms">
-  <Display>DocumentLibraryForm</Display>
-  <Edit>DocumentLibraryForm</Edit>
-  <New>DocumentLibraryForm</New>
-</FormTemplates>
-</file>
-
-<file path=customXml/item2.xml><?xml version="1.0" encoding="utf-8"?>
-<p:properties xmlns:p="http://schemas.microsoft.com/office/2006/metadata/properties" xmlns:xsi="http://www.w3.org/2001/XMLSchema-instance" xmlns:pc="http://schemas.microsoft.com/office/infopath/2007/PartnerControls">
-  <documentManagement/>
-</p:properties>
-</file>
-
-<file path=customXml/item3.xml><?xml version="1.0" encoding="utf-8"?>
 <ct:contentTypeSchema xmlns:ct="http://schemas.microsoft.com/office/2006/metadata/contentType" xmlns:ma="http://schemas.microsoft.com/office/2006/metadata/properties/metaAttributes" ct:_="" ma:_="" ma:contentTypeName="Document" ma:contentTypeID="0x010100027B1FB1A458AA4FB1520DBCEEEF84AB" ma:contentTypeVersion="10" ma:contentTypeDescription="Create a new document." ma:contentTypeScope="" ma:versionID="80e6eefb936f797d5655855dd419b8d0">
   <xsd:schema xmlns:xsd="http://www.w3.org/2001/XMLSchema" xmlns:xs="http://www.w3.org/2001/XMLSchema" xmlns:p="http://schemas.microsoft.com/office/2006/metadata/properties" xmlns:ns3="2ce51dc8-c7fd-4e9f-aab7-66ee981bb74f" xmlns:ns4="4fa34961-db85-4b4a-bce8-6d4fac0faa91" targetNamespace="http://schemas.microsoft.com/office/2006/metadata/properties" ma:root="true" ma:fieldsID="5642072c215f5c8f7ec84511c98be178" ns3:_="" ns4:_="">
     <xsd:import namespace="2ce51dc8-c7fd-4e9f-aab7-66ee981bb74f"/>
@@ -26431,32 +26418,22 @@
 </ct:contentTypeSchema>
 </file>
 
-<file path=customXml/itemProps1.xml><?xml version="1.0" encoding="utf-8"?>
-<ds:datastoreItem xmlns:ds="http://schemas.openxmlformats.org/officeDocument/2006/customXml" ds:itemID="{B8EFC965-3637-45D5-B4DF-7591A11F85C1}">
-  <ds:schemaRefs>
-    <ds:schemaRef ds:uri="http://schemas.microsoft.com/sharepoint/v3/contenttype/forms"/>
-  </ds:schemaRefs>
-</ds:datastoreItem>
+<file path=customXml/item2.xml><?xml version="1.0" encoding="utf-8"?>
+<p:properties xmlns:p="http://schemas.microsoft.com/office/2006/metadata/properties" xmlns:xsi="http://www.w3.org/2001/XMLSchema-instance" xmlns:pc="http://schemas.microsoft.com/office/infopath/2007/PartnerControls">
+  <documentManagement/>
+</p:properties>
 </file>
 
-<file path=customXml/itemProps2.xml><?xml version="1.0" encoding="utf-8"?>
-<ds:datastoreItem xmlns:ds="http://schemas.openxmlformats.org/officeDocument/2006/customXml" ds:itemID="{DA581383-3816-49BF-A165-E5B754F24280}">
-  <ds:schemaRefs>
-    <ds:schemaRef ds:uri="http://schemas.microsoft.com/office/2006/metadata/properties"/>
-    <ds:schemaRef ds:uri="http://schemas.microsoft.com/office/2006/documentManagement/types"/>
-    <ds:schemaRef ds:uri="http://schemas.openxmlformats.org/package/2006/metadata/core-properties"/>
-    <ds:schemaRef ds:uri="http://purl.org/dc/dcmitype/"/>
-    <ds:schemaRef ds:uri="http://schemas.microsoft.com/office/infopath/2007/PartnerControls"/>
-    <ds:schemaRef ds:uri="http://purl.org/dc/elements/1.1/"/>
-    <ds:schemaRef ds:uri="http://www.w3.org/XML/1998/namespace"/>
-    <ds:schemaRef ds:uri="4fa34961-db85-4b4a-bce8-6d4fac0faa91"/>
-    <ds:schemaRef ds:uri="2ce51dc8-c7fd-4e9f-aab7-66ee981bb74f"/>
-    <ds:schemaRef ds:uri="http://purl.org/dc/terms/"/>
-  </ds:schemaRefs>
-</ds:datastoreItem>
+<file path=customXml/item3.xml><?xml version="1.0" encoding="utf-8"?>
+<?mso-contentType ?>
+<FormTemplates xmlns="http://schemas.microsoft.com/sharepoint/v3/contenttype/forms">
+  <Display>DocumentLibraryForm</Display>
+  <Edit>DocumentLibraryForm</Edit>
+  <New>DocumentLibraryForm</New>
+</FormTemplates>
 </file>
 
-<file path=customXml/itemProps3.xml><?xml version="1.0" encoding="utf-8"?>
+<file path=customXml/itemProps1.xml><?xml version="1.0" encoding="utf-8"?>
 <ds:datastoreItem xmlns:ds="http://schemas.openxmlformats.org/officeDocument/2006/customXml" ds:itemID="{1B46DE51-BBDC-464E-A412-C4EDF9EDD29B}">
   <ds:schemaRefs>
     <ds:schemaRef ds:uri="http://schemas.microsoft.com/office/2006/metadata/contentType"/>
@@ -26473,4 +26450,29 @@
     <ds:schemaRef ds:uri="http://schemas.microsoft.com/internal/obd"/>
   </ds:schemaRefs>
 </ds:datastoreItem>
+</file>
+
+<file path=customXml/itemProps2.xml><?xml version="1.0" encoding="utf-8"?>
+<ds:datastoreItem xmlns:ds="http://schemas.openxmlformats.org/officeDocument/2006/customXml" ds:itemID="{DA581383-3816-49BF-A165-E5B754F24280}">
+  <ds:schemaRefs>
+    <ds:schemaRef ds:uri="http://purl.org/dc/dcmitype/"/>
+    <ds:schemaRef ds:uri="http://schemas.microsoft.com/office/2006/documentManagement/types"/>
+    <ds:schemaRef ds:uri="http://purl.org/dc/terms/"/>
+    <ds:schemaRef ds:uri="http://www.w3.org/XML/1998/namespace"/>
+    <ds:schemaRef ds:uri="2ce51dc8-c7fd-4e9f-aab7-66ee981bb74f"/>
+    <ds:schemaRef ds:uri="http://schemas.microsoft.com/office/infopath/2007/PartnerControls"/>
+    <ds:schemaRef ds:uri="4fa34961-db85-4b4a-bce8-6d4fac0faa91"/>
+    <ds:schemaRef ds:uri="http://schemas.openxmlformats.org/package/2006/metadata/core-properties"/>
+    <ds:schemaRef ds:uri="http://schemas.microsoft.com/office/2006/metadata/properties"/>
+    <ds:schemaRef ds:uri="http://purl.org/dc/elements/1.1/"/>
+  </ds:schemaRefs>
+</ds:datastoreItem>
+</file>
+
+<file path=customXml/itemProps3.xml><?xml version="1.0" encoding="utf-8"?>
+<ds:datastoreItem xmlns:ds="http://schemas.openxmlformats.org/officeDocument/2006/customXml" ds:itemID="{B8EFC965-3637-45D5-B4DF-7591A11F85C1}">
+  <ds:schemaRefs>
+    <ds:schemaRef ds:uri="http://schemas.microsoft.com/sharepoint/v3/contenttype/forms"/>
+  </ds:schemaRefs>
+</ds:datastoreItem>
 </file>
--- a/topic08/talk01/APIs.pptx
+++ b/topic08/talk01/APIs.pptx
@@ -3622,7 +3622,7 @@
           <a:p>
             <a:fld id="{F0329A2A-9079-40FA-BFF1-B86DED55A545}" type="datetimeFigureOut">
               <a:rPr lang="en-US"/>
-              <a:t>3/15/2022</a:t>
+              <a:t>3/14/2023</a:t>
             </a:fld>
             <a:endParaRPr lang="en-US"/>
           </a:p>
@@ -4878,7 +4878,7 @@
           <a:p>
             <a:fld id="{846CE7D5-CF57-46EF-B807-FDD0502418D4}" type="datetimeFigureOut">
               <a:rPr lang="en-US" smtClean="0"/>
-              <a:t>3/15/2022</a:t>
+              <a:t>3/14/2023</a:t>
             </a:fld>
             <a:endParaRPr lang="en-US"/>
           </a:p>
@@ -5046,7 +5046,7 @@
           <a:p>
             <a:fld id="{846CE7D5-CF57-46EF-B807-FDD0502418D4}" type="datetimeFigureOut">
               <a:rPr lang="en-US" smtClean="0"/>
-              <a:t>3/15/2022</a:t>
+              <a:t>3/14/2023</a:t>
             </a:fld>
             <a:endParaRPr lang="en-US"/>
           </a:p>
@@ -5224,7 +5224,7 @@
           <a:p>
             <a:fld id="{846CE7D5-CF57-46EF-B807-FDD0502418D4}" type="datetimeFigureOut">
               <a:rPr lang="en-US" smtClean="0"/>
-              <a:t>3/15/2022</a:t>
+              <a:t>3/14/2023</a:t>
             </a:fld>
             <a:endParaRPr lang="en-US"/>
           </a:p>
@@ -5392,7 +5392,7 @@
           <a:p>
             <a:fld id="{846CE7D5-CF57-46EF-B807-FDD0502418D4}" type="datetimeFigureOut">
               <a:rPr lang="en-US" smtClean="0"/>
-              <a:t>3/15/2022</a:t>
+              <a:t>3/14/2023</a:t>
             </a:fld>
             <a:endParaRPr lang="en-US"/>
           </a:p>
@@ -5637,7 +5637,7 @@
           <a:p>
             <a:fld id="{846CE7D5-CF57-46EF-B807-FDD0502418D4}" type="datetimeFigureOut">
               <a:rPr lang="en-US" smtClean="0"/>
-              <a:t>3/15/2022</a:t>
+              <a:t>3/14/2023</a:t>
             </a:fld>
             <a:endParaRPr lang="en-US"/>
           </a:p>
@@ -5866,7 +5866,7 @@
           <a:p>
             <a:fld id="{846CE7D5-CF57-46EF-B807-FDD0502418D4}" type="datetimeFigureOut">
               <a:rPr lang="en-US" smtClean="0"/>
-              <a:t>3/15/2022</a:t>
+              <a:t>3/14/2023</a:t>
             </a:fld>
             <a:endParaRPr lang="en-US"/>
           </a:p>
@@ -6230,7 +6230,7 @@
           <a:p>
             <a:fld id="{846CE7D5-CF57-46EF-B807-FDD0502418D4}" type="datetimeFigureOut">
               <a:rPr lang="en-US" smtClean="0"/>
-              <a:t>3/15/2022</a:t>
+              <a:t>3/14/2023</a:t>
             </a:fld>
             <a:endParaRPr lang="en-US"/>
           </a:p>
@@ -6347,7 +6347,7 @@
           <a:p>
             <a:fld id="{846CE7D5-CF57-46EF-B807-FDD0502418D4}" type="datetimeFigureOut">
               <a:rPr lang="en-US" smtClean="0"/>
-              <a:t>3/15/2022</a:t>
+              <a:t>3/14/2023</a:t>
             </a:fld>
             <a:endParaRPr lang="en-US"/>
           </a:p>
@@ -6442,7 +6442,7 @@
           <a:p>
             <a:fld id="{846CE7D5-CF57-46EF-B807-FDD0502418D4}" type="datetimeFigureOut">
               <a:rPr lang="en-US" smtClean="0"/>
-              <a:t>3/15/2022</a:t>
+              <a:t>3/14/2023</a:t>
             </a:fld>
             <a:endParaRPr lang="en-US"/>
           </a:p>
@@ -6717,7 +6717,7 @@
           <a:p>
             <a:fld id="{846CE7D5-CF57-46EF-B807-FDD0502418D4}" type="datetimeFigureOut">
               <a:rPr lang="en-US" smtClean="0"/>
-              <a:t>3/15/2022</a:t>
+              <a:t>3/14/2023</a:t>
             </a:fld>
             <a:endParaRPr lang="en-US"/>
           </a:p>
@@ -6972,7 +6972,7 @@
           <a:p>
             <a:fld id="{846CE7D5-CF57-46EF-B807-FDD0502418D4}" type="datetimeFigureOut">
               <a:rPr lang="en-US" smtClean="0"/>
-              <a:t>3/15/2022</a:t>
+              <a:t>3/14/2023</a:t>
             </a:fld>
             <a:endParaRPr lang="en-US"/>
           </a:p>
@@ -7183,7 +7183,7 @@
           <a:p>
             <a:fld id="{846CE7D5-CF57-46EF-B807-FDD0502418D4}" type="datetimeFigureOut">
               <a:rPr lang="en-US" smtClean="0"/>
-              <a:t>3/15/2022</a:t>
+              <a:t>3/14/2023</a:t>
             </a:fld>
             <a:endParaRPr lang="en-US"/>
           </a:p>
@@ -13911,7 +13911,15 @@
               <a:rPr lang="en-US" sz="2400" dirty="0">
                 <a:cs typeface="Calibri"/>
               </a:rPr>
-              <a:t>API Value</a:t>
+              <a:t>HTTP</a:t>
+            </a:r>
+          </a:p>
+          <a:p>
+            <a:r>
+              <a:rPr lang="en-US" sz="2400" dirty="0">
+                <a:cs typeface="Calibri"/>
+              </a:rPr>
+              <a:t>URIs</a:t>
             </a:r>
           </a:p>
           <a:p>
@@ -26216,6 +26224,21 @@
 </file>
 
 <file path=customXml/item1.xml><?xml version="1.0" encoding="utf-8"?>
+<?mso-contentType ?>
+<FormTemplates xmlns="http://schemas.microsoft.com/sharepoint/v3/contenttype/forms">
+  <Display>DocumentLibraryForm</Display>
+  <Edit>DocumentLibraryForm</Edit>
+  <New>DocumentLibraryForm</New>
+</FormTemplates>
+</file>
+
+<file path=customXml/item2.xml><?xml version="1.0" encoding="utf-8"?>
+<p:properties xmlns:p="http://schemas.microsoft.com/office/2006/metadata/properties" xmlns:xsi="http://www.w3.org/2001/XMLSchema-instance" xmlns:pc="http://schemas.microsoft.com/office/infopath/2007/PartnerControls">
+  <documentManagement/>
+</p:properties>
+</file>
+
+<file path=customXml/item3.xml><?xml version="1.0" encoding="utf-8"?>
 <ct:contentTypeSchema xmlns:ct="http://schemas.microsoft.com/office/2006/metadata/contentType" xmlns:ma="http://schemas.microsoft.com/office/2006/metadata/properties/metaAttributes" ct:_="" ma:_="" ma:contentTypeName="Document" ma:contentTypeID="0x010100027B1FB1A458AA4FB1520DBCEEEF84AB" ma:contentTypeVersion="10" ma:contentTypeDescription="Create a new document." ma:contentTypeScope="" ma:versionID="80e6eefb936f797d5655855dd419b8d0">
   <xsd:schema xmlns:xsd="http://www.w3.org/2001/XMLSchema" xmlns:xs="http://www.w3.org/2001/XMLSchema" xmlns:p="http://schemas.microsoft.com/office/2006/metadata/properties" xmlns:ns3="2ce51dc8-c7fd-4e9f-aab7-66ee981bb74f" xmlns:ns4="4fa34961-db85-4b4a-bce8-6d4fac0faa91" targetNamespace="http://schemas.microsoft.com/office/2006/metadata/properties" ma:root="true" ma:fieldsID="5642072c215f5c8f7ec84511c98be178" ns3:_="" ns4:_="">
     <xsd:import namespace="2ce51dc8-c7fd-4e9f-aab7-66ee981bb74f"/>
@@ -26418,36 +26441,10 @@
 </ct:contentTypeSchema>
 </file>
 
-<file path=customXml/item2.xml><?xml version="1.0" encoding="utf-8"?>
-<p:properties xmlns:p="http://schemas.microsoft.com/office/2006/metadata/properties" xmlns:xsi="http://www.w3.org/2001/XMLSchema-instance" xmlns:pc="http://schemas.microsoft.com/office/infopath/2007/PartnerControls">
-  <documentManagement/>
-</p:properties>
-</file>
-
-<file path=customXml/item3.xml><?xml version="1.0" encoding="utf-8"?>
-<?mso-contentType ?>
-<FormTemplates xmlns="http://schemas.microsoft.com/sharepoint/v3/contenttype/forms">
-  <Display>DocumentLibraryForm</Display>
-  <Edit>DocumentLibraryForm</Edit>
-  <New>DocumentLibraryForm</New>
-</FormTemplates>
-</file>
-
 <file path=customXml/itemProps1.xml><?xml version="1.0" encoding="utf-8"?>
-<ds:datastoreItem xmlns:ds="http://schemas.openxmlformats.org/officeDocument/2006/customXml" ds:itemID="{1B46DE51-BBDC-464E-A412-C4EDF9EDD29B}">
+<ds:datastoreItem xmlns:ds="http://schemas.openxmlformats.org/officeDocument/2006/customXml" ds:itemID="{B8EFC965-3637-45D5-B4DF-7591A11F85C1}">
   <ds:schemaRefs>
-    <ds:schemaRef ds:uri="http://schemas.microsoft.com/office/2006/metadata/contentType"/>
-    <ds:schemaRef ds:uri="http://schemas.microsoft.com/office/2006/metadata/properties/metaAttributes"/>
-    <ds:schemaRef ds:uri="http://www.w3.org/2001/XMLSchema"/>
-    <ds:schemaRef ds:uri="http://schemas.microsoft.com/office/2006/metadata/properties"/>
-    <ds:schemaRef ds:uri="2ce51dc8-c7fd-4e9f-aab7-66ee981bb74f"/>
-    <ds:schemaRef ds:uri="4fa34961-db85-4b4a-bce8-6d4fac0faa91"/>
-    <ds:schemaRef ds:uri="http://schemas.microsoft.com/office/2006/documentManagement/types"/>
-    <ds:schemaRef ds:uri="http://schemas.microsoft.com/office/infopath/2007/PartnerControls"/>
-    <ds:schemaRef ds:uri="http://schemas.openxmlformats.org/package/2006/metadata/core-properties"/>
-    <ds:schemaRef ds:uri="http://purl.org/dc/elements/1.1/"/>
-    <ds:schemaRef ds:uri="http://purl.org/dc/terms/"/>
-    <ds:schemaRef ds:uri="http://schemas.microsoft.com/internal/obd"/>
+    <ds:schemaRef ds:uri="http://schemas.microsoft.com/sharepoint/v3/contenttype/forms"/>
   </ds:schemaRefs>
 </ds:datastoreItem>
 </file>
@@ -26470,9 +26467,20 @@
 </file>
 
 <file path=customXml/itemProps3.xml><?xml version="1.0" encoding="utf-8"?>
-<ds:datastoreItem xmlns:ds="http://schemas.openxmlformats.org/officeDocument/2006/customXml" ds:itemID="{B8EFC965-3637-45D5-B4DF-7591A11F85C1}">
+<ds:datastoreItem xmlns:ds="http://schemas.openxmlformats.org/officeDocument/2006/customXml" ds:itemID="{1B46DE51-BBDC-464E-A412-C4EDF9EDD29B}">
   <ds:schemaRefs>
-    <ds:schemaRef ds:uri="http://schemas.microsoft.com/sharepoint/v3/contenttype/forms"/>
+    <ds:schemaRef ds:uri="http://schemas.microsoft.com/office/2006/metadata/contentType"/>
+    <ds:schemaRef ds:uri="http://schemas.microsoft.com/office/2006/metadata/properties/metaAttributes"/>
+    <ds:schemaRef ds:uri="http://www.w3.org/2001/XMLSchema"/>
+    <ds:schemaRef ds:uri="http://schemas.microsoft.com/office/2006/metadata/properties"/>
+    <ds:schemaRef ds:uri="2ce51dc8-c7fd-4e9f-aab7-66ee981bb74f"/>
+    <ds:schemaRef ds:uri="4fa34961-db85-4b4a-bce8-6d4fac0faa91"/>
+    <ds:schemaRef ds:uri="http://schemas.microsoft.com/office/2006/documentManagement/types"/>
+    <ds:schemaRef ds:uri="http://schemas.microsoft.com/office/infopath/2007/PartnerControls"/>
+    <ds:schemaRef ds:uri="http://schemas.openxmlformats.org/package/2006/metadata/core-properties"/>
+    <ds:schemaRef ds:uri="http://purl.org/dc/elements/1.1/"/>
+    <ds:schemaRef ds:uri="http://purl.org/dc/terms/"/>
+    <ds:schemaRef ds:uri="http://schemas.microsoft.com/internal/obd"/>
   </ds:schemaRefs>
 </ds:datastoreItem>
 </file>